--- a/documents/set4/Presentation4.pptx
+++ b/documents/set4/Presentation4.pptx
@@ -5,7 +5,7 @@
     <p:sldMasterId id="2147483780" r:id="rId1"/>
   </p:sldMasterIdLst>
   <p:notesMasterIdLst>
-    <p:notesMasterId r:id="rId7"/>
+    <p:notesMasterId r:id="rId10"/>
   </p:notesMasterIdLst>
   <p:sldIdLst>
     <p:sldId id="256" r:id="rId2"/>
@@ -13,6 +13,9 @@
     <p:sldId id="258" r:id="rId4"/>
     <p:sldId id="259" r:id="rId5"/>
     <p:sldId id="260" r:id="rId6"/>
+    <p:sldId id="261" r:id="rId7"/>
+    <p:sldId id="263" r:id="rId8"/>
+    <p:sldId id="264" r:id="rId9"/>
   </p:sldIdLst>
   <p:sldSz cx="12192000" cy="6858000"/>
   <p:notesSz cx="6858000" cy="9144000"/>
@@ -111,6 +114,11 @@
       </a:defRPr>
     </a:lvl9pPr>
   </p:defaultTextStyle>
+  <p:extLst>
+    <p:ext uri="{EFAFB233-063F-42B5-8137-9DF3F51BA10A}">
+      <p15:sldGuideLst xmlns:p15="http://schemas.microsoft.com/office/powerpoint/2012/main"/>
+    </p:ext>
+  </p:extLst>
 </p:presentation>
 </file>
 
@@ -4278,11 +4286,7 @@
             </a:r>
             <a:r>
               <a:rPr lang="en-US" dirty="0"/>
-              <a:t>Choose an algorithm</a:t>
-            </a:r>
-            <a:r>
-              <a:rPr lang="en-US" dirty="0"/>
-              <a:t> </a:t>
+              <a:t>Choose an algorithm </a:t>
             </a:r>
             <a:r>
               <a:rPr lang="en-US" dirty="0" smtClean="0"/>
@@ -4340,7 +4344,7 @@
           <p:nvPr>
             <p:extLst>
               <p:ext uri="{386F3935-93C4-4BCD-93E2-E3B085C9AB24}">
-                <p16:designElem xmlns:p16="http://schemas.microsoft.com/office/powerpoint/2015/main" val="1"/>
+                <p16:designElem xmlns:p16="http://schemas.microsoft.com/office/powerpoint/2015/main" xmlns="" val="1"/>
               </p:ext>
             </p:extLst>
           </p:nvPr>
@@ -4391,7 +4395,7 @@
           <p:nvPr>
             <p:extLst>
               <p:ext uri="{386F3935-93C4-4BCD-93E2-E3B085C9AB24}">
-                <p16:designElem xmlns:p16="http://schemas.microsoft.com/office/powerpoint/2015/main" val="1"/>
+                <p16:designElem xmlns:p16="http://schemas.microsoft.com/office/powerpoint/2015/main" xmlns="" val="1"/>
               </p:ext>
             </p:extLst>
           </p:nvPr>
@@ -4437,7 +4441,7 @@
           <p:nvPr>
             <p:extLst>
               <p:ext uri="{386F3935-93C4-4BCD-93E2-E3B085C9AB24}">
-                <p16:designElem xmlns:p16="http://schemas.microsoft.com/office/powerpoint/2015/main" val="1"/>
+                <p16:designElem xmlns:p16="http://schemas.microsoft.com/office/powerpoint/2015/main" xmlns="" val="1"/>
               </p:ext>
             </p:extLst>
           </p:nvPr>
@@ -4474,9 +4478,87 @@
           </a:fontRef>
         </p:style>
       </p:sp>
+      <p:sp>
+        <p:nvSpPr>
+          <p:cNvPr id="2" name="Title 1"/>
+          <p:cNvSpPr>
+            <a:spLocks noGrp="1"/>
+          </p:cNvSpPr>
+          <p:nvPr>
+            <p:ph type="title"/>
+          </p:nvPr>
+        </p:nvSpPr>
+        <p:spPr>
+          <a:xfrm>
+            <a:off x="492370" y="516835"/>
+            <a:ext cx="3084844" cy="2103875"/>
+          </a:xfrm>
+        </p:spPr>
+        <p:txBody>
+          <a:bodyPr>
+            <a:normAutofit/>
+          </a:bodyPr>
+          <a:lstStyle/>
+          <a:p>
+            <a:r>
+              <a:rPr lang="en-US" altLang="zh-CN" sz="3600">
+                <a:solidFill>
+                  <a:srgbClr val="FFFFFF"/>
+                </a:solidFill>
+              </a:rPr>
+              <a:t>Sprint Tasks</a:t>
+            </a:r>
+            <a:endParaRPr lang="en-US" sz="3600">
+              <a:solidFill>
+                <a:srgbClr val="FFFFFF"/>
+              </a:solidFill>
+            </a:endParaRPr>
+          </a:p>
+        </p:txBody>
+      </p:sp>
+      <p:sp>
+        <p:nvSpPr>
+          <p:cNvPr id="3" name="Content Placeholder 2"/>
+          <p:cNvSpPr>
+            <a:spLocks noGrp="1"/>
+          </p:cNvSpPr>
+          <p:nvPr>
+            <p:ph idx="1"/>
+          </p:nvPr>
+        </p:nvSpPr>
+        <p:spPr>
+          <a:xfrm>
+            <a:off x="492371" y="2653800"/>
+            <a:ext cx="3084844" cy="3335519"/>
+          </a:xfrm>
+        </p:spPr>
+        <p:txBody>
+          <a:bodyPr>
+            <a:normAutofit/>
+          </a:bodyPr>
+          <a:lstStyle/>
+          <a:p>
+            <a:r>
+              <a:rPr lang="en-US" sz="1600" dirty="0">
+                <a:solidFill>
+                  <a:srgbClr val="FFFFFF"/>
+                </a:solidFill>
+              </a:rPr>
+              <a:t>Execute the algorithm step by step or for a fixed number of steps</a:t>
+            </a:r>
+          </a:p>
+          <a:p>
+            <a:endParaRPr lang="en-US" sz="1500" dirty="0">
+              <a:solidFill>
+                <a:srgbClr val="FFFFFF"/>
+              </a:solidFill>
+            </a:endParaRPr>
+          </a:p>
+        </p:txBody>
+      </p:sp>
       <p:pic>
         <p:nvPicPr>
-          <p:cNvPr id="5" name="Picture 4"/>
+          <p:cNvPr id="4" name="Picture 3"/>
           <p:cNvPicPr>
             <a:picLocks noChangeAspect="1"/>
           </p:cNvPicPr>
@@ -4490,92 +4572,14 @@
         </p:blipFill>
         <p:spPr>
           <a:xfrm>
-            <a:off x="4379484" y="2212801"/>
-            <a:ext cx="7531426" cy="2447714"/>
+            <a:off x="4040070" y="2221669"/>
+            <a:ext cx="8146245" cy="2414661"/>
           </a:xfrm>
           <a:prstGeom prst="rect">
             <a:avLst/>
           </a:prstGeom>
         </p:spPr>
       </p:pic>
-      <p:sp>
-        <p:nvSpPr>
-          <p:cNvPr id="2" name="Title 1"/>
-          <p:cNvSpPr>
-            <a:spLocks noGrp="1"/>
-          </p:cNvSpPr>
-          <p:nvPr>
-            <p:ph type="title"/>
-          </p:nvPr>
-        </p:nvSpPr>
-        <p:spPr>
-          <a:xfrm>
-            <a:off x="492370" y="516835"/>
-            <a:ext cx="3084844" cy="2103875"/>
-          </a:xfrm>
-        </p:spPr>
-        <p:txBody>
-          <a:bodyPr>
-            <a:normAutofit/>
-          </a:bodyPr>
-          <a:lstStyle/>
-          <a:p>
-            <a:r>
-              <a:rPr lang="en-US" altLang="zh-CN" sz="3600">
-                <a:solidFill>
-                  <a:srgbClr val="FFFFFF"/>
-                </a:solidFill>
-              </a:rPr>
-              <a:t>Sprint Tasks</a:t>
-            </a:r>
-            <a:endParaRPr lang="en-US" sz="3600">
-              <a:solidFill>
-                <a:srgbClr val="FFFFFF"/>
-              </a:solidFill>
-            </a:endParaRPr>
-          </a:p>
-        </p:txBody>
-      </p:sp>
-      <p:sp>
-        <p:nvSpPr>
-          <p:cNvPr id="3" name="Content Placeholder 2"/>
-          <p:cNvSpPr>
-            <a:spLocks noGrp="1"/>
-          </p:cNvSpPr>
-          <p:nvPr>
-            <p:ph idx="1"/>
-          </p:nvPr>
-        </p:nvSpPr>
-        <p:spPr>
-          <a:xfrm>
-            <a:off x="492371" y="2653800"/>
-            <a:ext cx="3084844" cy="3335519"/>
-          </a:xfrm>
-        </p:spPr>
-        <p:txBody>
-          <a:bodyPr>
-            <a:normAutofit/>
-          </a:bodyPr>
-          <a:lstStyle/>
-          <a:p>
-            <a:r>
-              <a:rPr lang="en-US" sz="1600" dirty="0">
-                <a:solidFill>
-                  <a:srgbClr val="FFFFFF"/>
-                </a:solidFill>
-              </a:rPr>
-              <a:t>Execute the algorithm step by step or for a fixed number of steps</a:t>
-            </a:r>
-          </a:p>
-          <a:p>
-            <a:endParaRPr lang="en-US" sz="1500" dirty="0">
-              <a:solidFill>
-                <a:srgbClr val="FFFFFF"/>
-              </a:solidFill>
-            </a:endParaRPr>
-          </a:p>
-        </p:txBody>
-      </p:sp>
     </p:spTree>
     <p:extLst>
       <p:ext uri="{BB962C8B-B14F-4D97-AF65-F5344CB8AC3E}">
@@ -4615,7 +4619,7 @@
           <p:nvPr>
             <p:extLst>
               <p:ext uri="{386F3935-93C4-4BCD-93E2-E3B085C9AB24}">
-                <p16:designElem xmlns:p16="http://schemas.microsoft.com/office/powerpoint/2015/main" val="1"/>
+                <p16:designElem xmlns:p16="http://schemas.microsoft.com/office/powerpoint/2015/main" xmlns="" val="1"/>
               </p:ext>
             </p:extLst>
           </p:nvPr>
@@ -4666,7 +4670,7 @@
           <p:nvPr>
             <p:extLst>
               <p:ext uri="{386F3935-93C4-4BCD-93E2-E3B085C9AB24}">
-                <p16:designElem xmlns:p16="http://schemas.microsoft.com/office/powerpoint/2015/main" val="1"/>
+                <p16:designElem xmlns:p16="http://schemas.microsoft.com/office/powerpoint/2015/main" xmlns="" val="1"/>
               </p:ext>
             </p:extLst>
           </p:nvPr>
@@ -4712,7 +4716,7 @@
           <p:nvPr>
             <p:extLst>
               <p:ext uri="{386F3935-93C4-4BCD-93E2-E3B085C9AB24}">
-                <p16:designElem xmlns:p16="http://schemas.microsoft.com/office/powerpoint/2015/main" val="1"/>
+                <p16:designElem xmlns:p16="http://schemas.microsoft.com/office/powerpoint/2015/main" xmlns="" val="1"/>
               </p:ext>
             </p:extLst>
           </p:nvPr>
@@ -4896,7 +4900,7 @@
           <p:nvPr>
             <p:extLst>
               <p:ext uri="{386F3935-93C4-4BCD-93E2-E3B085C9AB24}">
-                <p16:designElem xmlns:p16="http://schemas.microsoft.com/office/powerpoint/2015/main" val="1"/>
+                <p16:designElem xmlns:p16="http://schemas.microsoft.com/office/powerpoint/2015/main" xmlns="" val="1"/>
               </p:ext>
             </p:extLst>
           </p:nvPr>
@@ -4947,7 +4951,7 @@
           <p:nvPr>
             <p:extLst>
               <p:ext uri="{386F3935-93C4-4BCD-93E2-E3B085C9AB24}">
-                <p16:designElem xmlns:p16="http://schemas.microsoft.com/office/powerpoint/2015/main" val="1"/>
+                <p16:designElem xmlns:p16="http://schemas.microsoft.com/office/powerpoint/2015/main" xmlns="" val="1"/>
               </p:ext>
             </p:extLst>
           </p:nvPr>
@@ -4993,7 +4997,7 @@
           <p:nvPr>
             <p:extLst>
               <p:ext uri="{386F3935-93C4-4BCD-93E2-E3B085C9AB24}">
-                <p16:designElem xmlns:p16="http://schemas.microsoft.com/office/powerpoint/2015/main" val="1"/>
+                <p16:designElem xmlns:p16="http://schemas.microsoft.com/office/powerpoint/2015/main" xmlns="" val="1"/>
               </p:ext>
             </p:extLst>
           </p:nvPr>
@@ -5171,6 +5175,897 @@
     <p:extLst>
       <p:ext uri="{BB962C8B-B14F-4D97-AF65-F5344CB8AC3E}">
         <p14:creationId xmlns:p14="http://schemas.microsoft.com/office/powerpoint/2010/main" val="519604350"/>
+      </p:ext>
+    </p:extLst>
+  </p:cSld>
+  <p:clrMapOvr>
+    <a:masterClrMapping/>
+  </p:clrMapOvr>
+</p:sld>
+</file>
+
+<file path=ppt/slides/slide6.xml><?xml version="1.0" encoding="utf-8"?>
+<p:sld xmlns:a="http://schemas.openxmlformats.org/drawingml/2006/main" xmlns:r="http://schemas.openxmlformats.org/officeDocument/2006/relationships" xmlns:p="http://schemas.openxmlformats.org/presentationml/2006/main">
+  <p:cSld>
+    <p:spTree>
+      <p:nvGrpSpPr>
+        <p:cNvPr id="1" name=""/>
+        <p:cNvGrpSpPr/>
+        <p:nvPr/>
+      </p:nvGrpSpPr>
+      <p:grpSpPr>
+        <a:xfrm>
+          <a:off x="0" y="0"/>
+          <a:ext cx="0" cy="0"/>
+          <a:chOff x="0" y="0"/>
+          <a:chExt cx="0" cy="0"/>
+        </a:xfrm>
+      </p:grpSpPr>
+      <p:sp useBgFill="1">
+        <p:nvSpPr>
+          <p:cNvPr id="16" name="Rectangle 15"/>
+          <p:cNvSpPr>
+            <a:spLocks noGrp="1" noRot="1" noChangeAspect="1" noMove="1" noResize="1" noEditPoints="1" noAdjustHandles="1" noChangeArrowheads="1" noChangeShapeType="1" noTextEdit="1"/>
+          </p:cNvSpPr>
+          <p:nvPr>
+            <p:extLst>
+              <p:ext uri="{386F3935-93C4-4BCD-93E2-E3B085C9AB24}">
+                <p16:designElem xmlns:p16="http://schemas.microsoft.com/office/powerpoint/2015/main" xmlns="" val="1"/>
+              </p:ext>
+            </p:extLst>
+          </p:nvPr>
+        </p:nvSpPr>
+        <p:spPr>
+          <a:xfrm>
+            <a:off x="0" y="0"/>
+            <a:ext cx="12186315" cy="6858000"/>
+          </a:xfrm>
+          <a:prstGeom prst="rect">
+            <a:avLst/>
+          </a:prstGeom>
+          <a:ln>
+            <a:noFill/>
+          </a:ln>
+        </p:spPr>
+        <p:style>
+          <a:lnRef idx="2">
+            <a:schemeClr val="accent6">
+              <a:shade val="50000"/>
+            </a:schemeClr>
+          </a:lnRef>
+          <a:fillRef idx="1001">
+            <a:schemeClr val="lt1"/>
+          </a:fillRef>
+          <a:effectRef idx="0">
+            <a:schemeClr val="accent6"/>
+          </a:effectRef>
+          <a:fontRef idx="minor">
+            <a:schemeClr val="lt1"/>
+          </a:fontRef>
+        </p:style>
+        <p:txBody>
+          <a:bodyPr rtlCol="0" anchor="ctr"/>
+          <a:lstStyle/>
+          <a:p>
+            <a:pPr algn="ctr"/>
+            <a:endParaRPr lang="en-US"/>
+          </a:p>
+        </p:txBody>
+      </p:sp>
+      <p:sp>
+        <p:nvSpPr>
+          <p:cNvPr id="18" name="Rectangle 17"/>
+          <p:cNvSpPr>
+            <a:spLocks noGrp="1" noRot="1" noChangeAspect="1" noMove="1" noResize="1" noEditPoints="1" noAdjustHandles="1" noChangeArrowheads="1" noChangeShapeType="1" noTextEdit="1"/>
+          </p:cNvSpPr>
+          <p:nvPr>
+            <p:extLst>
+              <p:ext uri="{386F3935-93C4-4BCD-93E2-E3B085C9AB24}">
+                <p16:designElem xmlns:p16="http://schemas.microsoft.com/office/powerpoint/2015/main" xmlns="" val="1"/>
+              </p:ext>
+            </p:extLst>
+          </p:nvPr>
+        </p:nvSpPr>
+        <p:spPr>
+          <a:xfrm>
+            <a:off x="16" y="0"/>
+            <a:ext cx="4050791" cy="6858000"/>
+          </a:xfrm>
+          <a:prstGeom prst="rect">
+            <a:avLst/>
+          </a:prstGeom>
+          <a:solidFill>
+            <a:schemeClr val="accent2"/>
+          </a:solidFill>
+          <a:ln>
+            <a:noFill/>
+          </a:ln>
+        </p:spPr>
+        <p:style>
+          <a:lnRef idx="2">
+            <a:schemeClr val="accent1">
+              <a:shade val="50000"/>
+            </a:schemeClr>
+          </a:lnRef>
+          <a:fillRef idx="1">
+            <a:schemeClr val="accent1"/>
+          </a:fillRef>
+          <a:effectRef idx="0">
+            <a:schemeClr val="accent1"/>
+          </a:effectRef>
+          <a:fontRef idx="minor">
+            <a:schemeClr val="lt1"/>
+          </a:fontRef>
+        </p:style>
+      </p:sp>
+      <p:sp>
+        <p:nvSpPr>
+          <p:cNvPr id="20" name="Rectangle 19"/>
+          <p:cNvSpPr>
+            <a:spLocks noGrp="1" noRot="1" noChangeAspect="1" noMove="1" noResize="1" noEditPoints="1" noAdjustHandles="1" noChangeArrowheads="1" noChangeShapeType="1" noTextEdit="1"/>
+          </p:cNvSpPr>
+          <p:nvPr>
+            <p:extLst>
+              <p:ext uri="{386F3935-93C4-4BCD-93E2-E3B085C9AB24}">
+                <p16:designElem xmlns:p16="http://schemas.microsoft.com/office/powerpoint/2015/main" xmlns="" val="1"/>
+              </p:ext>
+            </p:extLst>
+          </p:nvPr>
+        </p:nvSpPr>
+        <p:spPr>
+          <a:xfrm>
+            <a:off x="4040071" y="0"/>
+            <a:ext cx="64008" cy="6858000"/>
+          </a:xfrm>
+          <a:prstGeom prst="rect">
+            <a:avLst/>
+          </a:prstGeom>
+          <a:solidFill>
+            <a:schemeClr val="accent1"/>
+          </a:solidFill>
+          <a:ln>
+            <a:noFill/>
+          </a:ln>
+        </p:spPr>
+        <p:style>
+          <a:lnRef idx="2">
+            <a:schemeClr val="accent1">
+              <a:shade val="50000"/>
+            </a:schemeClr>
+          </a:lnRef>
+          <a:fillRef idx="1">
+            <a:schemeClr val="accent1"/>
+          </a:fillRef>
+          <a:effectRef idx="0">
+            <a:schemeClr val="accent1"/>
+          </a:effectRef>
+          <a:fontRef idx="minor">
+            <a:schemeClr val="lt1"/>
+          </a:fontRef>
+        </p:style>
+      </p:sp>
+      <p:sp>
+        <p:nvSpPr>
+          <p:cNvPr id="2" name="Title 1"/>
+          <p:cNvSpPr>
+            <a:spLocks noGrp="1"/>
+          </p:cNvSpPr>
+          <p:nvPr>
+            <p:ph type="title"/>
+          </p:nvPr>
+        </p:nvSpPr>
+        <p:spPr>
+          <a:xfrm>
+            <a:off x="492370" y="516835"/>
+            <a:ext cx="3084844" cy="2103875"/>
+          </a:xfrm>
+        </p:spPr>
+        <p:txBody>
+          <a:bodyPr>
+            <a:normAutofit fontScale="90000"/>
+          </a:bodyPr>
+          <a:lstStyle/>
+          <a:p>
+            <a:r>
+              <a:rPr lang="en-US" altLang="zh-CN" sz="3600" dirty="0" smtClean="0">
+                <a:solidFill>
+                  <a:srgbClr val="FFFFFF"/>
+                </a:solidFill>
+              </a:rPr>
+              <a:t>Test  cases for</a:t>
+            </a:r>
+            <a:br>
+              <a:rPr lang="en-US" altLang="zh-CN" sz="3600" dirty="0" smtClean="0">
+                <a:solidFill>
+                  <a:srgbClr val="FFFFFF"/>
+                </a:solidFill>
+              </a:rPr>
+            </a:br>
+            <a:r>
+              <a:rPr lang="en-US" altLang="zh-CN" sz="3600" dirty="0" smtClean="0">
+                <a:solidFill>
+                  <a:srgbClr val="FFFFFF"/>
+                </a:solidFill>
+              </a:rPr>
+              <a:t>sprint task 23-</a:t>
+            </a:r>
+            <a:r>
+              <a:rPr lang="zh-CN" altLang="en-US" sz="3600" dirty="0" smtClean="0">
+                <a:solidFill>
+                  <a:srgbClr val="FFFFFF"/>
+                </a:solidFill>
+              </a:rPr>
+              <a:t> </a:t>
+            </a:r>
+            <a:r>
+              <a:rPr lang="en-US" sz="2200" dirty="0">
+                <a:solidFill>
+                  <a:schemeClr val="bg1"/>
+                </a:solidFill>
+              </a:rPr>
+              <a:t>validate the input data before executing the algorithm</a:t>
+            </a:r>
+            <a:r>
+              <a:rPr lang="zh-CN" altLang="en-US" sz="2200" dirty="0">
+                <a:solidFill>
+                  <a:schemeClr val="bg1"/>
+                </a:solidFill>
+              </a:rPr>
+              <a:t> </a:t>
+            </a:r>
+            <a:r>
+              <a:rPr lang="zh-CN" altLang="en-US" sz="3600" dirty="0" smtClean="0">
+                <a:solidFill>
+                  <a:srgbClr val="FFFFFF"/>
+                </a:solidFill>
+              </a:rPr>
+              <a:t/>
+            </a:r>
+            <a:br>
+              <a:rPr lang="zh-CN" altLang="en-US" sz="3600" dirty="0" smtClean="0">
+                <a:solidFill>
+                  <a:srgbClr val="FFFFFF"/>
+                </a:solidFill>
+              </a:rPr>
+            </a:br>
+            <a:r>
+              <a:rPr lang="en-US" altLang="zh-CN" sz="3600" dirty="0" smtClean="0">
+                <a:solidFill>
+                  <a:srgbClr val="FFFFFF"/>
+                </a:solidFill>
+              </a:rPr>
+              <a:t> </a:t>
+            </a:r>
+            <a:endParaRPr lang="en-US" sz="3600" dirty="0">
+              <a:solidFill>
+                <a:srgbClr val="FFFFFF"/>
+              </a:solidFill>
+            </a:endParaRPr>
+          </a:p>
+        </p:txBody>
+      </p:sp>
+      <p:pic>
+        <p:nvPicPr>
+          <p:cNvPr id="6" name="Picture 5"/>
+          <p:cNvPicPr>
+            <a:picLocks noChangeAspect="1"/>
+          </p:cNvPicPr>
+          <p:nvPr/>
+        </p:nvPicPr>
+        <p:blipFill>
+          <a:blip r:embed="rId2"/>
+          <a:stretch>
+            <a:fillRect/>
+          </a:stretch>
+        </p:blipFill>
+        <p:spPr>
+          <a:xfrm>
+            <a:off x="4040071" y="787400"/>
+            <a:ext cx="8146244" cy="5283200"/>
+          </a:xfrm>
+          <a:prstGeom prst="rect">
+            <a:avLst/>
+          </a:prstGeom>
+        </p:spPr>
+      </p:pic>
+    </p:spTree>
+    <p:extLst>
+      <p:ext uri="{BB962C8B-B14F-4D97-AF65-F5344CB8AC3E}">
+        <p14:creationId xmlns:p14="http://schemas.microsoft.com/office/powerpoint/2010/main" val="1402219088"/>
+      </p:ext>
+    </p:extLst>
+  </p:cSld>
+  <p:clrMapOvr>
+    <a:masterClrMapping/>
+  </p:clrMapOvr>
+</p:sld>
+</file>
+
+<file path=ppt/slides/slide7.xml><?xml version="1.0" encoding="utf-8"?>
+<p:sld xmlns:a="http://schemas.openxmlformats.org/drawingml/2006/main" xmlns:r="http://schemas.openxmlformats.org/officeDocument/2006/relationships" xmlns:p="http://schemas.openxmlformats.org/presentationml/2006/main">
+  <p:cSld>
+    <p:spTree>
+      <p:nvGrpSpPr>
+        <p:cNvPr id="1" name=""/>
+        <p:cNvGrpSpPr/>
+        <p:nvPr/>
+      </p:nvGrpSpPr>
+      <p:grpSpPr>
+        <a:xfrm>
+          <a:off x="0" y="0"/>
+          <a:ext cx="0" cy="0"/>
+          <a:chOff x="0" y="0"/>
+          <a:chExt cx="0" cy="0"/>
+        </a:xfrm>
+      </p:grpSpPr>
+      <p:sp useBgFill="1">
+        <p:nvSpPr>
+          <p:cNvPr id="16" name="Rectangle 15"/>
+          <p:cNvSpPr>
+            <a:spLocks noGrp="1" noRot="1" noChangeAspect="1" noMove="1" noResize="1" noEditPoints="1" noAdjustHandles="1" noChangeArrowheads="1" noChangeShapeType="1" noTextEdit="1"/>
+          </p:cNvSpPr>
+          <p:nvPr>
+            <p:extLst>
+              <p:ext uri="{386F3935-93C4-4BCD-93E2-E3B085C9AB24}">
+                <p16:designElem xmlns:p16="http://schemas.microsoft.com/office/powerpoint/2015/main" xmlns="" val="1"/>
+              </p:ext>
+            </p:extLst>
+          </p:nvPr>
+        </p:nvSpPr>
+        <p:spPr>
+          <a:xfrm>
+            <a:off x="0" y="0"/>
+            <a:ext cx="12186315" cy="6858000"/>
+          </a:xfrm>
+          <a:prstGeom prst="rect">
+            <a:avLst/>
+          </a:prstGeom>
+          <a:ln>
+            <a:noFill/>
+          </a:ln>
+        </p:spPr>
+        <p:style>
+          <a:lnRef idx="2">
+            <a:schemeClr val="accent6">
+              <a:shade val="50000"/>
+            </a:schemeClr>
+          </a:lnRef>
+          <a:fillRef idx="1001">
+            <a:schemeClr val="lt1"/>
+          </a:fillRef>
+          <a:effectRef idx="0">
+            <a:schemeClr val="accent6"/>
+          </a:effectRef>
+          <a:fontRef idx="minor">
+            <a:schemeClr val="lt1"/>
+          </a:fontRef>
+        </p:style>
+        <p:txBody>
+          <a:bodyPr rtlCol="0" anchor="ctr"/>
+          <a:lstStyle/>
+          <a:p>
+            <a:pPr algn="ctr"/>
+            <a:endParaRPr lang="en-US"/>
+          </a:p>
+        </p:txBody>
+      </p:sp>
+      <p:sp>
+        <p:nvSpPr>
+          <p:cNvPr id="18" name="Rectangle 17"/>
+          <p:cNvSpPr>
+            <a:spLocks noGrp="1" noRot="1" noChangeAspect="1" noMove="1" noResize="1" noEditPoints="1" noAdjustHandles="1" noChangeArrowheads="1" noChangeShapeType="1" noTextEdit="1"/>
+          </p:cNvSpPr>
+          <p:nvPr>
+            <p:extLst>
+              <p:ext uri="{386F3935-93C4-4BCD-93E2-E3B085C9AB24}">
+                <p16:designElem xmlns:p16="http://schemas.microsoft.com/office/powerpoint/2015/main" xmlns="" val="1"/>
+              </p:ext>
+            </p:extLst>
+          </p:nvPr>
+        </p:nvSpPr>
+        <p:spPr>
+          <a:xfrm>
+            <a:off x="16" y="0"/>
+            <a:ext cx="4050791" cy="6858000"/>
+          </a:xfrm>
+          <a:prstGeom prst="rect">
+            <a:avLst/>
+          </a:prstGeom>
+          <a:solidFill>
+            <a:schemeClr val="accent2"/>
+          </a:solidFill>
+          <a:ln>
+            <a:noFill/>
+          </a:ln>
+        </p:spPr>
+        <p:style>
+          <a:lnRef idx="2">
+            <a:schemeClr val="accent1">
+              <a:shade val="50000"/>
+            </a:schemeClr>
+          </a:lnRef>
+          <a:fillRef idx="1">
+            <a:schemeClr val="accent1"/>
+          </a:fillRef>
+          <a:effectRef idx="0">
+            <a:schemeClr val="accent1"/>
+          </a:effectRef>
+          <a:fontRef idx="minor">
+            <a:schemeClr val="lt1"/>
+          </a:fontRef>
+        </p:style>
+      </p:sp>
+      <p:sp>
+        <p:nvSpPr>
+          <p:cNvPr id="20" name="Rectangle 19"/>
+          <p:cNvSpPr>
+            <a:spLocks noGrp="1" noRot="1" noChangeAspect="1" noMove="1" noResize="1" noEditPoints="1" noAdjustHandles="1" noChangeArrowheads="1" noChangeShapeType="1" noTextEdit="1"/>
+          </p:cNvSpPr>
+          <p:nvPr>
+            <p:extLst>
+              <p:ext uri="{386F3935-93C4-4BCD-93E2-E3B085C9AB24}">
+                <p16:designElem xmlns:p16="http://schemas.microsoft.com/office/powerpoint/2015/main" xmlns="" val="1"/>
+              </p:ext>
+            </p:extLst>
+          </p:nvPr>
+        </p:nvSpPr>
+        <p:spPr>
+          <a:xfrm>
+            <a:off x="4040071" y="0"/>
+            <a:ext cx="64008" cy="6858000"/>
+          </a:xfrm>
+          <a:prstGeom prst="rect">
+            <a:avLst/>
+          </a:prstGeom>
+          <a:solidFill>
+            <a:schemeClr val="accent1"/>
+          </a:solidFill>
+          <a:ln>
+            <a:noFill/>
+          </a:ln>
+        </p:spPr>
+        <p:style>
+          <a:lnRef idx="2">
+            <a:schemeClr val="accent1">
+              <a:shade val="50000"/>
+            </a:schemeClr>
+          </a:lnRef>
+          <a:fillRef idx="1">
+            <a:schemeClr val="accent1"/>
+          </a:fillRef>
+          <a:effectRef idx="0">
+            <a:schemeClr val="accent1"/>
+          </a:effectRef>
+          <a:fontRef idx="minor">
+            <a:schemeClr val="lt1"/>
+          </a:fontRef>
+        </p:style>
+      </p:sp>
+      <p:sp>
+        <p:nvSpPr>
+          <p:cNvPr id="2" name="Title 1"/>
+          <p:cNvSpPr>
+            <a:spLocks noGrp="1"/>
+          </p:cNvSpPr>
+          <p:nvPr>
+            <p:ph type="title"/>
+          </p:nvPr>
+        </p:nvSpPr>
+        <p:spPr>
+          <a:xfrm>
+            <a:off x="492370" y="516835"/>
+            <a:ext cx="3084844" cy="2103875"/>
+          </a:xfrm>
+        </p:spPr>
+        <p:txBody>
+          <a:bodyPr>
+            <a:normAutofit fontScale="90000"/>
+          </a:bodyPr>
+          <a:lstStyle/>
+          <a:p>
+            <a:r>
+              <a:rPr lang="en-US" altLang="zh-CN" sz="3600" dirty="0" smtClean="0">
+                <a:solidFill>
+                  <a:srgbClr val="FFFFFF"/>
+                </a:solidFill>
+              </a:rPr>
+              <a:t>Test  cases for</a:t>
+            </a:r>
+            <a:br>
+              <a:rPr lang="en-US" altLang="zh-CN" sz="3600" dirty="0" smtClean="0">
+                <a:solidFill>
+                  <a:srgbClr val="FFFFFF"/>
+                </a:solidFill>
+              </a:rPr>
+            </a:br>
+            <a:r>
+              <a:rPr lang="en-US" altLang="zh-CN" sz="3600" dirty="0" smtClean="0">
+                <a:solidFill>
+                  <a:srgbClr val="FFFFFF"/>
+                </a:solidFill>
+              </a:rPr>
+              <a:t>sprint task 23-</a:t>
+            </a:r>
+            <a:r>
+              <a:rPr lang="zh-CN" altLang="en-US" sz="3600" dirty="0" smtClean="0">
+                <a:solidFill>
+                  <a:srgbClr val="FFFFFF"/>
+                </a:solidFill>
+              </a:rPr>
+              <a:t> </a:t>
+            </a:r>
+            <a:r>
+              <a:rPr lang="en-US" sz="2200" dirty="0">
+                <a:solidFill>
+                  <a:schemeClr val="bg1"/>
+                </a:solidFill>
+              </a:rPr>
+              <a:t>validate the input data before executing the algorithm</a:t>
+            </a:r>
+            <a:r>
+              <a:rPr lang="zh-CN" altLang="en-US" sz="2200" dirty="0">
+                <a:solidFill>
+                  <a:schemeClr val="bg1"/>
+                </a:solidFill>
+              </a:rPr>
+              <a:t> </a:t>
+            </a:r>
+            <a:r>
+              <a:rPr lang="zh-CN" altLang="en-US" sz="3600" dirty="0" smtClean="0">
+                <a:solidFill>
+                  <a:srgbClr val="FFFFFF"/>
+                </a:solidFill>
+              </a:rPr>
+              <a:t/>
+            </a:r>
+            <a:br>
+              <a:rPr lang="zh-CN" altLang="en-US" sz="3600" dirty="0" smtClean="0">
+                <a:solidFill>
+                  <a:srgbClr val="FFFFFF"/>
+                </a:solidFill>
+              </a:rPr>
+            </a:br>
+            <a:r>
+              <a:rPr lang="en-US" altLang="zh-CN" sz="3600" dirty="0" smtClean="0">
+                <a:solidFill>
+                  <a:srgbClr val="FFFFFF"/>
+                </a:solidFill>
+              </a:rPr>
+              <a:t> </a:t>
+            </a:r>
+            <a:endParaRPr lang="en-US" sz="3600" dirty="0">
+              <a:solidFill>
+                <a:srgbClr val="FFFFFF"/>
+              </a:solidFill>
+            </a:endParaRPr>
+          </a:p>
+        </p:txBody>
+      </p:sp>
+      <p:pic>
+        <p:nvPicPr>
+          <p:cNvPr id="3" name="Picture 2"/>
+          <p:cNvPicPr>
+            <a:picLocks noChangeAspect="1"/>
+          </p:cNvPicPr>
+          <p:nvPr/>
+        </p:nvPicPr>
+        <p:blipFill>
+          <a:blip r:embed="rId2"/>
+          <a:stretch>
+            <a:fillRect/>
+          </a:stretch>
+        </p:blipFill>
+        <p:spPr>
+          <a:xfrm>
+            <a:off x="4104079" y="990600"/>
+            <a:ext cx="8082236" cy="4876800"/>
+          </a:xfrm>
+          <a:prstGeom prst="rect">
+            <a:avLst/>
+          </a:prstGeom>
+        </p:spPr>
+      </p:pic>
+    </p:spTree>
+    <p:extLst>
+      <p:ext uri="{BB962C8B-B14F-4D97-AF65-F5344CB8AC3E}">
+        <p14:creationId xmlns:p14="http://schemas.microsoft.com/office/powerpoint/2010/main" val="1400725862"/>
+      </p:ext>
+    </p:extLst>
+  </p:cSld>
+  <p:clrMapOvr>
+    <a:masterClrMapping/>
+  </p:clrMapOvr>
+</p:sld>
+</file>
+
+<file path=ppt/slides/slide8.xml><?xml version="1.0" encoding="utf-8"?>
+<p:sld xmlns:a="http://schemas.openxmlformats.org/drawingml/2006/main" xmlns:r="http://schemas.openxmlformats.org/officeDocument/2006/relationships" xmlns:p="http://schemas.openxmlformats.org/presentationml/2006/main">
+  <p:cSld>
+    <p:spTree>
+      <p:nvGrpSpPr>
+        <p:cNvPr id="1" name=""/>
+        <p:cNvGrpSpPr/>
+        <p:nvPr/>
+      </p:nvGrpSpPr>
+      <p:grpSpPr>
+        <a:xfrm>
+          <a:off x="0" y="0"/>
+          <a:ext cx="0" cy="0"/>
+          <a:chOff x="0" y="0"/>
+          <a:chExt cx="0" cy="0"/>
+        </a:xfrm>
+      </p:grpSpPr>
+      <p:sp useBgFill="1">
+        <p:nvSpPr>
+          <p:cNvPr id="16" name="Rectangle 15"/>
+          <p:cNvSpPr>
+            <a:spLocks noGrp="1" noRot="1" noChangeAspect="1" noMove="1" noResize="1" noEditPoints="1" noAdjustHandles="1" noChangeArrowheads="1" noChangeShapeType="1" noTextEdit="1"/>
+          </p:cNvSpPr>
+          <p:nvPr>
+            <p:extLst>
+              <p:ext uri="{386F3935-93C4-4BCD-93E2-E3B085C9AB24}">
+                <p16:designElem xmlns:p16="http://schemas.microsoft.com/office/powerpoint/2015/main" xmlns="" val="1"/>
+              </p:ext>
+            </p:extLst>
+          </p:nvPr>
+        </p:nvSpPr>
+        <p:spPr>
+          <a:xfrm>
+            <a:off x="0" y="0"/>
+            <a:ext cx="12186315" cy="6858000"/>
+          </a:xfrm>
+          <a:prstGeom prst="rect">
+            <a:avLst/>
+          </a:prstGeom>
+          <a:ln>
+            <a:noFill/>
+          </a:ln>
+        </p:spPr>
+        <p:style>
+          <a:lnRef idx="2">
+            <a:schemeClr val="accent6">
+              <a:shade val="50000"/>
+            </a:schemeClr>
+          </a:lnRef>
+          <a:fillRef idx="1001">
+            <a:schemeClr val="lt1"/>
+          </a:fillRef>
+          <a:effectRef idx="0">
+            <a:schemeClr val="accent6"/>
+          </a:effectRef>
+          <a:fontRef idx="minor">
+            <a:schemeClr val="lt1"/>
+          </a:fontRef>
+        </p:style>
+        <p:txBody>
+          <a:bodyPr rtlCol="0" anchor="ctr"/>
+          <a:lstStyle/>
+          <a:p>
+            <a:pPr algn="ctr"/>
+            <a:endParaRPr lang="en-US"/>
+          </a:p>
+        </p:txBody>
+      </p:sp>
+      <p:sp>
+        <p:nvSpPr>
+          <p:cNvPr id="18" name="Rectangle 17"/>
+          <p:cNvSpPr>
+            <a:spLocks noGrp="1" noRot="1" noChangeAspect="1" noMove="1" noResize="1" noEditPoints="1" noAdjustHandles="1" noChangeArrowheads="1" noChangeShapeType="1" noTextEdit="1"/>
+          </p:cNvSpPr>
+          <p:nvPr>
+            <p:extLst>
+              <p:ext uri="{386F3935-93C4-4BCD-93E2-E3B085C9AB24}">
+                <p16:designElem xmlns:p16="http://schemas.microsoft.com/office/powerpoint/2015/main" xmlns="" val="1"/>
+              </p:ext>
+            </p:extLst>
+          </p:nvPr>
+        </p:nvSpPr>
+        <p:spPr>
+          <a:xfrm>
+            <a:off x="16" y="0"/>
+            <a:ext cx="4050791" cy="6858000"/>
+          </a:xfrm>
+          <a:prstGeom prst="rect">
+            <a:avLst/>
+          </a:prstGeom>
+          <a:solidFill>
+            <a:schemeClr val="accent2"/>
+          </a:solidFill>
+          <a:ln>
+            <a:noFill/>
+          </a:ln>
+        </p:spPr>
+        <p:style>
+          <a:lnRef idx="2">
+            <a:schemeClr val="accent1">
+              <a:shade val="50000"/>
+            </a:schemeClr>
+          </a:lnRef>
+          <a:fillRef idx="1">
+            <a:schemeClr val="accent1"/>
+          </a:fillRef>
+          <a:effectRef idx="0">
+            <a:schemeClr val="accent1"/>
+          </a:effectRef>
+          <a:fontRef idx="minor">
+            <a:schemeClr val="lt1"/>
+          </a:fontRef>
+        </p:style>
+      </p:sp>
+      <p:sp>
+        <p:nvSpPr>
+          <p:cNvPr id="20" name="Rectangle 19"/>
+          <p:cNvSpPr>
+            <a:spLocks noGrp="1" noRot="1" noChangeAspect="1" noMove="1" noResize="1" noEditPoints="1" noAdjustHandles="1" noChangeArrowheads="1" noChangeShapeType="1" noTextEdit="1"/>
+          </p:cNvSpPr>
+          <p:nvPr>
+            <p:extLst>
+              <p:ext uri="{386F3935-93C4-4BCD-93E2-E3B085C9AB24}">
+                <p16:designElem xmlns:p16="http://schemas.microsoft.com/office/powerpoint/2015/main" xmlns="" val="1"/>
+              </p:ext>
+            </p:extLst>
+          </p:nvPr>
+        </p:nvSpPr>
+        <p:spPr>
+          <a:xfrm>
+            <a:off x="4040071" y="0"/>
+            <a:ext cx="64008" cy="6858000"/>
+          </a:xfrm>
+          <a:prstGeom prst="rect">
+            <a:avLst/>
+          </a:prstGeom>
+          <a:solidFill>
+            <a:schemeClr val="accent1"/>
+          </a:solidFill>
+          <a:ln>
+            <a:noFill/>
+          </a:ln>
+        </p:spPr>
+        <p:style>
+          <a:lnRef idx="2">
+            <a:schemeClr val="accent1">
+              <a:shade val="50000"/>
+            </a:schemeClr>
+          </a:lnRef>
+          <a:fillRef idx="1">
+            <a:schemeClr val="accent1"/>
+          </a:fillRef>
+          <a:effectRef idx="0">
+            <a:schemeClr val="accent1"/>
+          </a:effectRef>
+          <a:fontRef idx="minor">
+            <a:schemeClr val="lt1"/>
+          </a:fontRef>
+        </p:style>
+      </p:sp>
+      <p:sp>
+        <p:nvSpPr>
+          <p:cNvPr id="2" name="Title 1"/>
+          <p:cNvSpPr>
+            <a:spLocks noGrp="1"/>
+          </p:cNvSpPr>
+          <p:nvPr>
+            <p:ph type="title"/>
+          </p:nvPr>
+        </p:nvSpPr>
+        <p:spPr>
+          <a:xfrm>
+            <a:off x="492370" y="516835"/>
+            <a:ext cx="3084844" cy="2103875"/>
+          </a:xfrm>
+        </p:spPr>
+        <p:txBody>
+          <a:bodyPr>
+            <a:normAutofit fontScale="90000"/>
+          </a:bodyPr>
+          <a:lstStyle/>
+          <a:p>
+            <a:r>
+              <a:rPr lang="en-US" altLang="zh-CN" sz="3600" dirty="0" smtClean="0">
+                <a:solidFill>
+                  <a:srgbClr val="FFFFFF"/>
+                </a:solidFill>
+              </a:rPr>
+              <a:t>Test  cases for</a:t>
+            </a:r>
+            <a:br>
+              <a:rPr lang="en-US" altLang="zh-CN" sz="3600" dirty="0" smtClean="0">
+                <a:solidFill>
+                  <a:srgbClr val="FFFFFF"/>
+                </a:solidFill>
+              </a:rPr>
+            </a:br>
+            <a:r>
+              <a:rPr lang="en-US" altLang="zh-CN" sz="3600" dirty="0" smtClean="0">
+                <a:solidFill>
+                  <a:srgbClr val="FFFFFF"/>
+                </a:solidFill>
+              </a:rPr>
+              <a:t>sprint task 23-</a:t>
+            </a:r>
+            <a:r>
+              <a:rPr lang="zh-CN" altLang="en-US" sz="3600" dirty="0" smtClean="0">
+                <a:solidFill>
+                  <a:srgbClr val="FFFFFF"/>
+                </a:solidFill>
+              </a:rPr>
+              <a:t> </a:t>
+            </a:r>
+            <a:r>
+              <a:rPr lang="en-US" sz="2200" dirty="0">
+                <a:solidFill>
+                  <a:schemeClr val="bg1"/>
+                </a:solidFill>
+              </a:rPr>
+              <a:t>validate the input data before executing the algorithm</a:t>
+            </a:r>
+            <a:r>
+              <a:rPr lang="zh-CN" altLang="en-US" sz="2200" dirty="0">
+                <a:solidFill>
+                  <a:schemeClr val="bg1"/>
+                </a:solidFill>
+              </a:rPr>
+              <a:t> </a:t>
+            </a:r>
+            <a:r>
+              <a:rPr lang="zh-CN" altLang="en-US" sz="3600" dirty="0" smtClean="0">
+                <a:solidFill>
+                  <a:srgbClr val="FFFFFF"/>
+                </a:solidFill>
+              </a:rPr>
+              <a:t/>
+            </a:r>
+            <a:br>
+              <a:rPr lang="zh-CN" altLang="en-US" sz="3600" dirty="0" smtClean="0">
+                <a:solidFill>
+                  <a:srgbClr val="FFFFFF"/>
+                </a:solidFill>
+              </a:rPr>
+            </a:br>
+            <a:r>
+              <a:rPr lang="en-US" altLang="zh-CN" sz="3600" dirty="0" smtClean="0">
+                <a:solidFill>
+                  <a:srgbClr val="FFFFFF"/>
+                </a:solidFill>
+              </a:rPr>
+              <a:t> </a:t>
+            </a:r>
+            <a:endParaRPr lang="en-US" sz="3600" dirty="0">
+              <a:solidFill>
+                <a:srgbClr val="FFFFFF"/>
+              </a:solidFill>
+            </a:endParaRPr>
+          </a:p>
+        </p:txBody>
+      </p:sp>
+      <p:pic>
+        <p:nvPicPr>
+          <p:cNvPr id="4" name="Picture 3"/>
+          <p:cNvPicPr>
+            <a:picLocks noChangeAspect="1"/>
+          </p:cNvPicPr>
+          <p:nvPr/>
+        </p:nvPicPr>
+        <p:blipFill>
+          <a:blip r:embed="rId2"/>
+          <a:stretch>
+            <a:fillRect/>
+          </a:stretch>
+        </p:blipFill>
+        <p:spPr>
+          <a:xfrm>
+            <a:off x="4069567" y="838200"/>
+            <a:ext cx="8116747" cy="5181600"/>
+          </a:xfrm>
+          <a:prstGeom prst="rect">
+            <a:avLst/>
+          </a:prstGeom>
+        </p:spPr>
+      </p:pic>
+    </p:spTree>
+    <p:extLst>
+      <p:ext uri="{BB962C8B-B14F-4D97-AF65-F5344CB8AC3E}">
+        <p14:creationId xmlns:p14="http://schemas.microsoft.com/office/powerpoint/2010/main" val="151986414"/>
       </p:ext>
     </p:extLst>
   </p:cSld>

--- a/documents/set4/Presentation4.pptx
+++ b/documents/set4/Presentation4.pptx
@@ -5,17 +5,19 @@
     <p:sldMasterId id="2147483780" r:id="rId1"/>
   </p:sldMasterIdLst>
   <p:notesMasterIdLst>
-    <p:notesMasterId r:id="rId10"/>
+    <p:notesMasterId r:id="rId12"/>
   </p:notesMasterIdLst>
   <p:sldIdLst>
     <p:sldId id="256" r:id="rId2"/>
-    <p:sldId id="257" r:id="rId3"/>
-    <p:sldId id="258" r:id="rId4"/>
-    <p:sldId id="259" r:id="rId5"/>
-    <p:sldId id="260" r:id="rId6"/>
-    <p:sldId id="261" r:id="rId7"/>
-    <p:sldId id="263" r:id="rId8"/>
-    <p:sldId id="264" r:id="rId9"/>
+    <p:sldId id="265" r:id="rId3"/>
+    <p:sldId id="266" r:id="rId4"/>
+    <p:sldId id="257" r:id="rId5"/>
+    <p:sldId id="258" r:id="rId6"/>
+    <p:sldId id="259" r:id="rId7"/>
+    <p:sldId id="260" r:id="rId8"/>
+    <p:sldId id="261" r:id="rId9"/>
+    <p:sldId id="263" r:id="rId10"/>
+    <p:sldId id="264" r:id="rId11"/>
   </p:sldIdLst>
   <p:sldSz cx="12192000" cy="6858000"/>
   <p:notesSz cx="6858000" cy="9144000"/>
@@ -204,7 +206,7 @@
           <a:p>
             <a:fld id="{C0AED64A-89A2-1845-94B4-78B0A7881D57}" type="datetimeFigureOut">
               <a:rPr lang="en-US" smtClean="0"/>
-              <a:t>3/27/17</a:t>
+              <a:t>3/28/17</a:t>
             </a:fld>
             <a:endParaRPr lang="en-US"/>
           </a:p>
@@ -698,7 +700,7 @@
           <a:p>
             <a:fld id="{963A6DA3-65F6-4E49-B61A-8E754A74EAC1}" type="datetimeFigureOut">
               <a:rPr lang="en-US" smtClean="0"/>
-              <a:t>3/27/17</a:t>
+              <a:t>3/28/17</a:t>
             </a:fld>
             <a:endParaRPr lang="en-US"/>
           </a:p>
@@ -901,7 +903,7 @@
           <a:p>
             <a:fld id="{963A6DA3-65F6-4E49-B61A-8E754A74EAC1}" type="datetimeFigureOut">
               <a:rPr lang="en-US" smtClean="0"/>
-              <a:t>3/27/17</a:t>
+              <a:t>3/28/17</a:t>
             </a:fld>
             <a:endParaRPr lang="en-US"/>
           </a:p>
@@ -1152,7 +1154,7 @@
           <a:p>
             <a:fld id="{963A6DA3-65F6-4E49-B61A-8E754A74EAC1}" type="datetimeFigureOut">
               <a:rPr lang="en-US" smtClean="0"/>
-              <a:t>3/27/17</a:t>
+              <a:t>3/28/17</a:t>
             </a:fld>
             <a:endParaRPr lang="en-US"/>
           </a:p>
@@ -1321,7 +1323,7 @@
           <a:p>
             <a:fld id="{963A6DA3-65F6-4E49-B61A-8E754A74EAC1}" type="datetimeFigureOut">
               <a:rPr lang="en-US" smtClean="0"/>
-              <a:t>3/27/17</a:t>
+              <a:t>3/28/17</a:t>
             </a:fld>
             <a:endParaRPr lang="en-US"/>
           </a:p>
@@ -1659,7 +1661,7 @@
           <a:p>
             <a:fld id="{963A6DA3-65F6-4E49-B61A-8E754A74EAC1}" type="datetimeFigureOut">
               <a:rPr lang="en-US" smtClean="0"/>
-              <a:t>3/27/17</a:t>
+              <a:t>3/28/17</a:t>
             </a:fld>
             <a:endParaRPr lang="en-US"/>
           </a:p>
@@ -1929,7 +1931,7 @@
           <a:p>
             <a:fld id="{963A6DA3-65F6-4E49-B61A-8E754A74EAC1}" type="datetimeFigureOut">
               <a:rPr lang="en-US" smtClean="0"/>
-              <a:t>3/27/17</a:t>
+              <a:t>3/28/17</a:t>
             </a:fld>
             <a:endParaRPr lang="en-US"/>
           </a:p>
@@ -2303,7 +2305,7 @@
           <a:p>
             <a:fld id="{963A6DA3-65F6-4E49-B61A-8E754A74EAC1}" type="datetimeFigureOut">
               <a:rPr lang="en-US" smtClean="0"/>
-              <a:t>3/27/17</a:t>
+              <a:t>3/28/17</a:t>
             </a:fld>
             <a:endParaRPr lang="en-US"/>
           </a:p>
@@ -2416,7 +2418,7 @@
           <a:p>
             <a:fld id="{963A6DA3-65F6-4E49-B61A-8E754A74EAC1}" type="datetimeFigureOut">
               <a:rPr lang="en-US" smtClean="0"/>
-              <a:t>3/27/17</a:t>
+              <a:t>3/28/17</a:t>
             </a:fld>
             <a:endParaRPr lang="en-US"/>
           </a:p>
@@ -2582,7 +2584,7 @@
           <a:p>
             <a:fld id="{963A6DA3-65F6-4E49-B61A-8E754A74EAC1}" type="datetimeFigureOut">
               <a:rPr lang="en-US" smtClean="0"/>
-              <a:t>3/27/17</a:t>
+              <a:t>3/28/17</a:t>
             </a:fld>
             <a:endParaRPr lang="en-US"/>
           </a:p>
@@ -2931,7 +2933,7 @@
           <a:p>
             <a:fld id="{963A6DA3-65F6-4E49-B61A-8E754A74EAC1}" type="datetimeFigureOut">
               <a:rPr lang="en-US" smtClean="0"/>
-              <a:t>3/27/17</a:t>
+              <a:t>3/28/17</a:t>
             </a:fld>
             <a:endParaRPr lang="en-US"/>
           </a:p>
@@ -3305,7 +3307,7 @@
           <a:p>
             <a:fld id="{963A6DA3-65F6-4E49-B61A-8E754A74EAC1}" type="datetimeFigureOut">
               <a:rPr lang="en-US" smtClean="0"/>
-              <a:t>3/27/17</a:t>
+              <a:t>3/28/17</a:t>
             </a:fld>
             <a:endParaRPr lang="en-US"/>
           </a:p>
@@ -3592,7 +3594,7 @@
           <a:p>
             <a:fld id="{963A6DA3-65F6-4E49-B61A-8E754A74EAC1}" type="datetimeFigureOut">
               <a:rPr lang="en-US" smtClean="0"/>
-              <a:t>3/27/17</a:t>
+              <a:t>3/28/17</a:t>
             </a:fld>
             <a:endParaRPr lang="en-US"/>
           </a:p>
@@ -4203,6 +4205,303 @@
 </p:sld>
 </file>
 
+<file path=ppt/slides/slide10.xml><?xml version="1.0" encoding="utf-8"?>
+<p:sld xmlns:a="http://schemas.openxmlformats.org/drawingml/2006/main" xmlns:r="http://schemas.openxmlformats.org/officeDocument/2006/relationships" xmlns:p="http://schemas.openxmlformats.org/presentationml/2006/main">
+  <p:cSld>
+    <p:spTree>
+      <p:nvGrpSpPr>
+        <p:cNvPr id="1" name=""/>
+        <p:cNvGrpSpPr/>
+        <p:nvPr/>
+      </p:nvGrpSpPr>
+      <p:grpSpPr>
+        <a:xfrm>
+          <a:off x="0" y="0"/>
+          <a:ext cx="0" cy="0"/>
+          <a:chOff x="0" y="0"/>
+          <a:chExt cx="0" cy="0"/>
+        </a:xfrm>
+      </p:grpSpPr>
+      <p:sp useBgFill="1">
+        <p:nvSpPr>
+          <p:cNvPr id="16" name="Rectangle 15"/>
+          <p:cNvSpPr>
+            <a:spLocks noGrp="1" noRot="1" noChangeAspect="1" noMove="1" noResize="1" noEditPoints="1" noAdjustHandles="1" noChangeArrowheads="1" noChangeShapeType="1" noTextEdit="1"/>
+          </p:cNvSpPr>
+          <p:nvPr>
+            <p:extLst>
+              <p:ext uri="{386F3935-93C4-4BCD-93E2-E3B085C9AB24}">
+                <p16:designElem xmlns="" xmlns:p16="http://schemas.microsoft.com/office/powerpoint/2015/main" val="1"/>
+              </p:ext>
+            </p:extLst>
+          </p:nvPr>
+        </p:nvSpPr>
+        <p:spPr>
+          <a:xfrm>
+            <a:off x="0" y="0"/>
+            <a:ext cx="12186315" cy="6858000"/>
+          </a:xfrm>
+          <a:prstGeom prst="rect">
+            <a:avLst/>
+          </a:prstGeom>
+          <a:ln>
+            <a:noFill/>
+          </a:ln>
+        </p:spPr>
+        <p:style>
+          <a:lnRef idx="2">
+            <a:schemeClr val="accent6">
+              <a:shade val="50000"/>
+            </a:schemeClr>
+          </a:lnRef>
+          <a:fillRef idx="1001">
+            <a:schemeClr val="lt1"/>
+          </a:fillRef>
+          <a:effectRef idx="0">
+            <a:schemeClr val="accent6"/>
+          </a:effectRef>
+          <a:fontRef idx="minor">
+            <a:schemeClr val="lt1"/>
+          </a:fontRef>
+        </p:style>
+        <p:txBody>
+          <a:bodyPr rtlCol="0" anchor="ctr"/>
+          <a:lstStyle/>
+          <a:p>
+            <a:pPr algn="ctr"/>
+            <a:endParaRPr lang="en-US"/>
+          </a:p>
+        </p:txBody>
+      </p:sp>
+      <p:sp>
+        <p:nvSpPr>
+          <p:cNvPr id="18" name="Rectangle 17"/>
+          <p:cNvSpPr>
+            <a:spLocks noGrp="1" noRot="1" noChangeAspect="1" noMove="1" noResize="1" noEditPoints="1" noAdjustHandles="1" noChangeArrowheads="1" noChangeShapeType="1" noTextEdit="1"/>
+          </p:cNvSpPr>
+          <p:nvPr>
+            <p:extLst>
+              <p:ext uri="{386F3935-93C4-4BCD-93E2-E3B085C9AB24}">
+                <p16:designElem xmlns="" xmlns:p16="http://schemas.microsoft.com/office/powerpoint/2015/main" val="1"/>
+              </p:ext>
+            </p:extLst>
+          </p:nvPr>
+        </p:nvSpPr>
+        <p:spPr>
+          <a:xfrm>
+            <a:off x="16" y="0"/>
+            <a:ext cx="4050791" cy="6858000"/>
+          </a:xfrm>
+          <a:prstGeom prst="rect">
+            <a:avLst/>
+          </a:prstGeom>
+          <a:solidFill>
+            <a:schemeClr val="accent2"/>
+          </a:solidFill>
+          <a:ln>
+            <a:noFill/>
+          </a:ln>
+        </p:spPr>
+        <p:style>
+          <a:lnRef idx="2">
+            <a:schemeClr val="accent1">
+              <a:shade val="50000"/>
+            </a:schemeClr>
+          </a:lnRef>
+          <a:fillRef idx="1">
+            <a:schemeClr val="accent1"/>
+          </a:fillRef>
+          <a:effectRef idx="0">
+            <a:schemeClr val="accent1"/>
+          </a:effectRef>
+          <a:fontRef idx="minor">
+            <a:schemeClr val="lt1"/>
+          </a:fontRef>
+        </p:style>
+      </p:sp>
+      <p:sp>
+        <p:nvSpPr>
+          <p:cNvPr id="20" name="Rectangle 19"/>
+          <p:cNvSpPr>
+            <a:spLocks noGrp="1" noRot="1" noChangeAspect="1" noMove="1" noResize="1" noEditPoints="1" noAdjustHandles="1" noChangeArrowheads="1" noChangeShapeType="1" noTextEdit="1"/>
+          </p:cNvSpPr>
+          <p:nvPr>
+            <p:extLst>
+              <p:ext uri="{386F3935-93C4-4BCD-93E2-E3B085C9AB24}">
+                <p16:designElem xmlns="" xmlns:p16="http://schemas.microsoft.com/office/powerpoint/2015/main" val="1"/>
+              </p:ext>
+            </p:extLst>
+          </p:nvPr>
+        </p:nvSpPr>
+        <p:spPr>
+          <a:xfrm>
+            <a:off x="4040071" y="0"/>
+            <a:ext cx="64008" cy="6858000"/>
+          </a:xfrm>
+          <a:prstGeom prst="rect">
+            <a:avLst/>
+          </a:prstGeom>
+          <a:solidFill>
+            <a:schemeClr val="accent1"/>
+          </a:solidFill>
+          <a:ln>
+            <a:noFill/>
+          </a:ln>
+        </p:spPr>
+        <p:style>
+          <a:lnRef idx="2">
+            <a:schemeClr val="accent1">
+              <a:shade val="50000"/>
+            </a:schemeClr>
+          </a:lnRef>
+          <a:fillRef idx="1">
+            <a:schemeClr val="accent1"/>
+          </a:fillRef>
+          <a:effectRef idx="0">
+            <a:schemeClr val="accent1"/>
+          </a:effectRef>
+          <a:fontRef idx="minor">
+            <a:schemeClr val="lt1"/>
+          </a:fontRef>
+        </p:style>
+      </p:sp>
+      <p:sp>
+        <p:nvSpPr>
+          <p:cNvPr id="2" name="Title 1"/>
+          <p:cNvSpPr>
+            <a:spLocks noGrp="1"/>
+          </p:cNvSpPr>
+          <p:nvPr>
+            <p:ph type="title"/>
+          </p:nvPr>
+        </p:nvSpPr>
+        <p:spPr>
+          <a:xfrm>
+            <a:off x="492370" y="516835"/>
+            <a:ext cx="3084844" cy="2103875"/>
+          </a:xfrm>
+        </p:spPr>
+        <p:txBody>
+          <a:bodyPr>
+            <a:normAutofit fontScale="90000"/>
+          </a:bodyPr>
+          <a:lstStyle/>
+          <a:p>
+            <a:r>
+              <a:rPr lang="en-US" altLang="zh-CN" sz="3600" dirty="0" smtClean="0">
+                <a:solidFill>
+                  <a:srgbClr val="FFFFFF"/>
+                </a:solidFill>
+              </a:rPr>
+              <a:t>Test  cases for</a:t>
+            </a:r>
+            <a:br>
+              <a:rPr lang="en-US" altLang="zh-CN" sz="3600" dirty="0" smtClean="0">
+                <a:solidFill>
+                  <a:srgbClr val="FFFFFF"/>
+                </a:solidFill>
+              </a:rPr>
+            </a:br>
+            <a:r>
+              <a:rPr lang="en-US" altLang="zh-CN" sz="3600" dirty="0" smtClean="0">
+                <a:solidFill>
+                  <a:srgbClr val="FFFFFF"/>
+                </a:solidFill>
+              </a:rPr>
+              <a:t>sprint task 23-</a:t>
+            </a:r>
+            <a:r>
+              <a:rPr lang="zh-CN" altLang="en-US" sz="3600" dirty="0" smtClean="0">
+                <a:solidFill>
+                  <a:srgbClr val="FFFFFF"/>
+                </a:solidFill>
+              </a:rPr>
+              <a:t> </a:t>
+            </a:r>
+            <a:r>
+              <a:rPr lang="en-US" sz="2200" dirty="0">
+                <a:solidFill>
+                  <a:schemeClr val="bg1"/>
+                </a:solidFill>
+              </a:rPr>
+              <a:t>validate the input data before executing the algorithm</a:t>
+            </a:r>
+            <a:r>
+              <a:rPr lang="zh-CN" altLang="en-US" sz="2200" dirty="0">
+                <a:solidFill>
+                  <a:schemeClr val="bg1"/>
+                </a:solidFill>
+              </a:rPr>
+              <a:t> </a:t>
+            </a:r>
+            <a:r>
+              <a:rPr lang="zh-CN" altLang="en-US" sz="3600" dirty="0" smtClean="0">
+                <a:solidFill>
+                  <a:srgbClr val="FFFFFF"/>
+                </a:solidFill>
+              </a:rPr>
+              <a:t/>
+            </a:r>
+            <a:br>
+              <a:rPr lang="zh-CN" altLang="en-US" sz="3600" dirty="0" smtClean="0">
+                <a:solidFill>
+                  <a:srgbClr val="FFFFFF"/>
+                </a:solidFill>
+              </a:rPr>
+            </a:br>
+            <a:r>
+              <a:rPr lang="en-US" altLang="zh-CN" sz="3600" dirty="0" smtClean="0">
+                <a:solidFill>
+                  <a:srgbClr val="FFFFFF"/>
+                </a:solidFill>
+              </a:rPr>
+              <a:t> </a:t>
+            </a:r>
+            <a:endParaRPr lang="en-US" sz="3600" dirty="0">
+              <a:solidFill>
+                <a:srgbClr val="FFFFFF"/>
+              </a:solidFill>
+            </a:endParaRPr>
+          </a:p>
+        </p:txBody>
+      </p:sp>
+      <p:pic>
+        <p:nvPicPr>
+          <p:cNvPr id="4" name="Picture 3"/>
+          <p:cNvPicPr>
+            <a:picLocks noChangeAspect="1"/>
+          </p:cNvPicPr>
+          <p:nvPr/>
+        </p:nvPicPr>
+        <p:blipFill>
+          <a:blip r:embed="rId2"/>
+          <a:stretch>
+            <a:fillRect/>
+          </a:stretch>
+        </p:blipFill>
+        <p:spPr>
+          <a:xfrm>
+            <a:off x="4069567" y="838200"/>
+            <a:ext cx="8116747" cy="5181600"/>
+          </a:xfrm>
+          <a:prstGeom prst="rect">
+            <a:avLst/>
+          </a:prstGeom>
+        </p:spPr>
+      </p:pic>
+    </p:spTree>
+    <p:extLst>
+      <p:ext uri="{BB962C8B-B14F-4D97-AF65-F5344CB8AC3E}">
+        <p14:creationId xmlns:p14="http://schemas.microsoft.com/office/powerpoint/2010/main" val="151986414"/>
+      </p:ext>
+    </p:extLst>
+  </p:cSld>
+  <p:clrMapOvr>
+    <a:masterClrMapping/>
+  </p:clrMapOvr>
+</p:sld>
+</file>
+
 <file path=ppt/slides/slide2.xml><?xml version="1.0" encoding="utf-8"?>
 <p:sld xmlns:a="http://schemas.openxmlformats.org/drawingml/2006/main" xmlns:r="http://schemas.openxmlformats.org/officeDocument/2006/relationships" xmlns:p="http://schemas.openxmlformats.org/presentationml/2006/main">
   <p:cSld>
@@ -4237,7 +4536,7 @@
           <a:p>
             <a:r>
               <a:rPr lang="en-US" dirty="0" smtClean="0"/>
-              <a:t>User Stories</a:t>
+              <a:t>Feedback</a:t>
             </a:r>
             <a:endParaRPr lang="en-US" dirty="0"/>
           </a:p>
@@ -4258,57 +4557,147 @@
           <a:bodyPr/>
           <a:lstStyle/>
           <a:p>
-            <a:pPr>
-              <a:buFont typeface="Courier New" charset="0"/>
-              <a:buChar char="o"/>
+            <a:pPr marL="0" indent="0">
+              <a:buNone/>
             </a:pPr>
             <a:r>
+              <a:rPr lang="en-US" dirty="0"/>
+              <a:t>In Observations: File uploading was demonstrated in the previous sprint but was not used this time </a:t>
+            </a:r>
+            <a:r>
               <a:rPr lang="en-US" dirty="0" smtClean="0"/>
-              <a:t> Execute </a:t>
-            </a:r>
+              <a:t>.</a:t>
+            </a:r>
+          </a:p>
+          <a:p>
+            <a:pPr marL="0" indent="0">
+              <a:buNone/>
+            </a:pPr>
             <a:r>
               <a:rPr lang="en-US" dirty="0"/>
-              <a:t>the algorithm step by step or for a fixed number of </a:t>
+              <a:t>In Suggested </a:t>
             </a:r>
             <a:r>
               <a:rPr lang="en-US" dirty="0" smtClean="0"/>
-              <a:t>steps</a:t>
-            </a:r>
-          </a:p>
-          <a:p>
-            <a:pPr>
-              <a:buFont typeface="Courier New" charset="0"/>
-              <a:buChar char="o"/>
+              <a:t>improvements: Did a good job.</a:t>
+            </a:r>
+          </a:p>
+          <a:p>
+            <a:pPr marL="0" indent="0">
+              <a:buNone/>
             </a:pPr>
             <a:r>
               <a:rPr lang="en-US" dirty="0" smtClean="0"/>
-              <a:t> User </a:t>
+              <a:t>In </a:t>
             </a:r>
             <a:r>
               <a:rPr lang="en-US" dirty="0"/>
-              <a:t>Choose an algorithm </a:t>
+              <a:t>Meeting </a:t>
             </a:r>
             <a:r>
               <a:rPr lang="en-US" dirty="0" smtClean="0"/>
-              <a:t> to run</a:t>
-            </a:r>
-          </a:p>
-          <a:p>
-            <a:pPr>
-              <a:buFont typeface="Courier New" charset="0"/>
-              <a:buChar char="o"/>
+              <a:t>Logs</a:t>
+            </a:r>
+            <a:r>
+              <a:rPr lang="en-US" dirty="0"/>
+              <a:t>: Professor strongly recommend to have a meeting on the day of the demo or the previous day </a:t>
+            </a:r>
+            <a:r>
+              <a:rPr lang="en-US" dirty="0" smtClean="0"/>
+              <a:t>so </a:t>
+            </a:r>
+            <a:r>
+              <a:rPr lang="en-US" dirty="0"/>
+              <a:t>that </a:t>
+            </a:r>
+            <a:r>
+              <a:rPr lang="en-US" dirty="0" smtClean="0"/>
+              <a:t>we can </a:t>
+            </a:r>
+            <a:r>
+              <a:rPr lang="en-US" dirty="0"/>
+              <a:t>confirm what tasks were pending and how they are resolved, whether or not any decision made to postpone certain things and so on. </a:t>
+            </a:r>
+            <a:endParaRPr lang="en-US" dirty="0" smtClean="0"/>
+          </a:p>
+          <a:p>
+            <a:pPr marL="0" indent="0">
+              <a:buNone/>
             </a:pPr>
             <a:r>
               <a:rPr lang="en-US" dirty="0" smtClean="0"/>
-              <a:t> User view the target list in Graph view</a:t>
-            </a:r>
+              <a:t>In Documents: </a:t>
+            </a:r>
+            <a:r>
+              <a:rPr lang="en-US" dirty="0"/>
+              <a:t>U</a:t>
+            </a:r>
+            <a:r>
+              <a:rPr lang="en-US" dirty="0" smtClean="0"/>
+              <a:t>ser </a:t>
+            </a:r>
+            <a:r>
+              <a:rPr lang="en-US" dirty="0"/>
+              <a:t>stories are </a:t>
+            </a:r>
+            <a:r>
+              <a:rPr lang="en-US" dirty="0" smtClean="0"/>
+              <a:t>good, but </a:t>
+            </a:r>
+            <a:r>
+              <a:rPr lang="en-US" dirty="0"/>
+              <a:t>in sprint tasks </a:t>
+            </a:r>
+            <a:r>
+              <a:rPr lang="en-US" dirty="0" smtClean="0"/>
+              <a:t>there is no </a:t>
+            </a:r>
+            <a:r>
+              <a:rPr lang="en-US" dirty="0"/>
+              <a:t>task associated with </a:t>
+            </a:r>
+            <a:r>
+              <a:rPr lang="en-US" dirty="0" smtClean="0"/>
+              <a:t>testing. And professor </a:t>
+            </a:r>
+            <a:r>
+              <a:rPr lang="en-US" dirty="0"/>
+              <a:t>recommend that </a:t>
+            </a:r>
+            <a:r>
+              <a:rPr lang="en-US" dirty="0" smtClean="0"/>
+              <a:t>we should include </a:t>
+            </a:r>
+            <a:r>
+              <a:rPr lang="en-US" dirty="0"/>
+              <a:t>more test </a:t>
+            </a:r>
+            <a:r>
+              <a:rPr lang="en-US" dirty="0" smtClean="0"/>
+              <a:t>cases. Keep all the test cases in a document and When submit documents, should include all </a:t>
+            </a:r>
+            <a:r>
+              <a:rPr lang="en-US" dirty="0"/>
+              <a:t>the test case for every spring task </a:t>
+            </a:r>
+            <a:r>
+              <a:rPr lang="en-US" dirty="0" smtClean="0"/>
+              <a:t>.</a:t>
+            </a:r>
+            <a:endParaRPr lang="en-US" dirty="0"/>
+          </a:p>
+          <a:p>
+            <a:endParaRPr lang="en-US" dirty="0"/>
+          </a:p>
+          <a:p>
+            <a:endParaRPr lang="en-US" dirty="0"/>
           </a:p>
         </p:txBody>
       </p:sp>
     </p:spTree>
     <p:extLst>
       <p:ext uri="{BB962C8B-B14F-4D97-AF65-F5344CB8AC3E}">
-        <p14:creationId xmlns:p14="http://schemas.microsoft.com/office/powerpoint/2010/main" val="2027429866"/>
+        <p14:creationId xmlns:p14="http://schemas.microsoft.com/office/powerpoint/2010/main" val="1565845890"/>
       </p:ext>
     </p:extLst>
   </p:cSld>
@@ -4335,255 +4724,137 @@
           <a:chExt cx="0" cy="0"/>
         </a:xfrm>
       </p:grpSpPr>
-      <p:sp useBgFill="1">
-        <p:nvSpPr>
-          <p:cNvPr id="16" name="Rectangle 15"/>
-          <p:cNvSpPr>
-            <a:spLocks noGrp="1" noRot="1" noChangeAspect="1" noMove="1" noResize="1" noEditPoints="1" noAdjustHandles="1" noChangeArrowheads="1" noChangeShapeType="1" noTextEdit="1"/>
-          </p:cNvSpPr>
-          <p:nvPr>
-            <p:extLst>
-              <p:ext uri="{386F3935-93C4-4BCD-93E2-E3B085C9AB24}">
-                <p16:designElem xmlns:p16="http://schemas.microsoft.com/office/powerpoint/2015/main" xmlns="" val="1"/>
-              </p:ext>
-            </p:extLst>
-          </p:nvPr>
-        </p:nvSpPr>
-        <p:spPr>
-          <a:xfrm>
-            <a:off x="0" y="0"/>
-            <a:ext cx="12186315" cy="6858000"/>
-          </a:xfrm>
-          <a:prstGeom prst="rect">
-            <a:avLst/>
-          </a:prstGeom>
-          <a:ln>
-            <a:noFill/>
-          </a:ln>
-        </p:spPr>
-        <p:style>
-          <a:lnRef idx="2">
-            <a:schemeClr val="accent6">
-              <a:shade val="50000"/>
-            </a:schemeClr>
-          </a:lnRef>
-          <a:fillRef idx="1001">
-            <a:schemeClr val="lt1"/>
-          </a:fillRef>
-          <a:effectRef idx="0">
-            <a:schemeClr val="accent6"/>
-          </a:effectRef>
-          <a:fontRef idx="minor">
-            <a:schemeClr val="lt1"/>
-          </a:fontRef>
-        </p:style>
-        <p:txBody>
-          <a:bodyPr rtlCol="0" anchor="ctr"/>
+      <p:sp>
+        <p:nvSpPr>
+          <p:cNvPr id="2" name="Title 1"/>
+          <p:cNvSpPr>
+            <a:spLocks noGrp="1"/>
+          </p:cNvSpPr>
+          <p:nvPr>
+            <p:ph type="title"/>
+          </p:nvPr>
+        </p:nvSpPr>
+        <p:spPr/>
+        <p:txBody>
+          <a:bodyPr/>
           <a:lstStyle/>
           <a:p>
-            <a:pPr algn="ctr"/>
-            <a:endParaRPr lang="en-US"/>
-          </a:p>
-        </p:txBody>
-      </p:sp>
-      <p:sp>
-        <p:nvSpPr>
-          <p:cNvPr id="18" name="Rectangle 17"/>
-          <p:cNvSpPr>
-            <a:spLocks noGrp="1" noRot="1" noChangeAspect="1" noMove="1" noResize="1" noEditPoints="1" noAdjustHandles="1" noChangeArrowheads="1" noChangeShapeType="1" noTextEdit="1"/>
-          </p:cNvSpPr>
-          <p:nvPr>
-            <p:extLst>
-              <p:ext uri="{386F3935-93C4-4BCD-93E2-E3B085C9AB24}">
-                <p16:designElem xmlns:p16="http://schemas.microsoft.com/office/powerpoint/2015/main" xmlns="" val="1"/>
-              </p:ext>
-            </p:extLst>
-          </p:nvPr>
-        </p:nvSpPr>
-        <p:spPr>
-          <a:xfrm>
-            <a:off x="16" y="0"/>
-            <a:ext cx="4050791" cy="6858000"/>
-          </a:xfrm>
-          <a:prstGeom prst="rect">
-            <a:avLst/>
-          </a:prstGeom>
-          <a:solidFill>
-            <a:schemeClr val="accent2"/>
-          </a:solidFill>
-          <a:ln>
-            <a:noFill/>
-          </a:ln>
-        </p:spPr>
-        <p:style>
-          <a:lnRef idx="2">
-            <a:schemeClr val="accent1">
-              <a:shade val="50000"/>
-            </a:schemeClr>
-          </a:lnRef>
-          <a:fillRef idx="1">
-            <a:schemeClr val="accent1"/>
-          </a:fillRef>
-          <a:effectRef idx="0">
-            <a:schemeClr val="accent1"/>
-          </a:effectRef>
-          <a:fontRef idx="minor">
-            <a:schemeClr val="lt1"/>
-          </a:fontRef>
-        </p:style>
-      </p:sp>
-      <p:sp>
-        <p:nvSpPr>
-          <p:cNvPr id="20" name="Rectangle 19"/>
-          <p:cNvSpPr>
-            <a:spLocks noGrp="1" noRot="1" noChangeAspect="1" noMove="1" noResize="1" noEditPoints="1" noAdjustHandles="1" noChangeArrowheads="1" noChangeShapeType="1" noTextEdit="1"/>
-          </p:cNvSpPr>
-          <p:nvPr>
-            <p:extLst>
-              <p:ext uri="{386F3935-93C4-4BCD-93E2-E3B085C9AB24}">
-                <p16:designElem xmlns:p16="http://schemas.microsoft.com/office/powerpoint/2015/main" xmlns="" val="1"/>
-              </p:ext>
-            </p:extLst>
-          </p:nvPr>
-        </p:nvSpPr>
-        <p:spPr>
-          <a:xfrm>
-            <a:off x="4040071" y="0"/>
-            <a:ext cx="64008" cy="6858000"/>
-          </a:xfrm>
-          <a:prstGeom prst="rect">
-            <a:avLst/>
-          </a:prstGeom>
-          <a:solidFill>
-            <a:schemeClr val="accent1"/>
-          </a:solidFill>
-          <a:ln>
-            <a:noFill/>
-          </a:ln>
-        </p:spPr>
-        <p:style>
-          <a:lnRef idx="2">
-            <a:schemeClr val="accent1">
-              <a:shade val="50000"/>
-            </a:schemeClr>
-          </a:lnRef>
-          <a:fillRef idx="1">
-            <a:schemeClr val="accent1"/>
-          </a:fillRef>
-          <a:effectRef idx="0">
-            <a:schemeClr val="accent1"/>
-          </a:effectRef>
-          <a:fontRef idx="minor">
-            <a:schemeClr val="lt1"/>
-          </a:fontRef>
-        </p:style>
-      </p:sp>
-      <p:sp>
-        <p:nvSpPr>
-          <p:cNvPr id="2" name="Title 1"/>
-          <p:cNvSpPr>
-            <a:spLocks noGrp="1"/>
-          </p:cNvSpPr>
-          <p:nvPr>
-            <p:ph type="title"/>
-          </p:nvPr>
-        </p:nvSpPr>
-        <p:spPr>
-          <a:xfrm>
-            <a:off x="492370" y="516835"/>
-            <a:ext cx="3084844" cy="2103875"/>
-          </a:xfrm>
-        </p:spPr>
-        <p:txBody>
-          <a:bodyPr>
-            <a:normAutofit/>
-          </a:bodyPr>
+            <a:r>
+              <a:rPr lang="en-US" dirty="0" smtClean="0"/>
+              <a:t>Plan of actions on the feedback</a:t>
+            </a:r>
+            <a:endParaRPr lang="en-US" dirty="0"/>
+          </a:p>
+        </p:txBody>
+      </p:sp>
+      <p:sp>
+        <p:nvSpPr>
+          <p:cNvPr id="3" name="Content Placeholder 2"/>
+          <p:cNvSpPr>
+            <a:spLocks noGrp="1"/>
+          </p:cNvSpPr>
+          <p:nvPr>
+            <p:ph idx="1"/>
+          </p:nvPr>
+        </p:nvSpPr>
+        <p:spPr/>
+        <p:txBody>
+          <a:bodyPr/>
           <a:lstStyle/>
           <a:p>
-            <a:r>
-              <a:rPr lang="en-US" altLang="zh-CN" sz="3600">
-                <a:solidFill>
-                  <a:srgbClr val="FFFFFF"/>
-                </a:solidFill>
-              </a:rPr>
-              <a:t>Sprint Tasks</a:t>
-            </a:r>
-            <a:endParaRPr lang="en-US" sz="3600">
-              <a:solidFill>
-                <a:srgbClr val="FFFFFF"/>
-              </a:solidFill>
-            </a:endParaRPr>
-          </a:p>
-        </p:txBody>
-      </p:sp>
-      <p:sp>
-        <p:nvSpPr>
-          <p:cNvPr id="3" name="Content Placeholder 2"/>
-          <p:cNvSpPr>
-            <a:spLocks noGrp="1"/>
-          </p:cNvSpPr>
-          <p:nvPr>
-            <p:ph idx="1"/>
-          </p:nvPr>
-        </p:nvSpPr>
-        <p:spPr>
-          <a:xfrm>
-            <a:off x="492371" y="2653800"/>
-            <a:ext cx="3084844" cy="3335519"/>
-          </a:xfrm>
-        </p:spPr>
-        <p:txBody>
-          <a:bodyPr>
-            <a:normAutofit/>
-          </a:bodyPr>
-          <a:lstStyle/>
-          <a:p>
-            <a:r>
-              <a:rPr lang="en-US" sz="1600" dirty="0">
-                <a:solidFill>
-                  <a:srgbClr val="FFFFFF"/>
-                </a:solidFill>
-              </a:rPr>
-              <a:t>Execute the algorithm step by step or for a fixed number of steps</a:t>
-            </a:r>
-          </a:p>
-          <a:p>
-            <a:endParaRPr lang="en-US" sz="1500" dirty="0">
-              <a:solidFill>
-                <a:srgbClr val="FFFFFF"/>
-              </a:solidFill>
-            </a:endParaRPr>
-          </a:p>
-        </p:txBody>
-      </p:sp>
-      <p:pic>
-        <p:nvPicPr>
-          <p:cNvPr id="4" name="Picture 3"/>
-          <p:cNvPicPr>
-            <a:picLocks noChangeAspect="1"/>
-          </p:cNvPicPr>
-          <p:nvPr/>
-        </p:nvPicPr>
-        <p:blipFill>
-          <a:blip r:embed="rId2"/>
-          <a:stretch>
-            <a:fillRect/>
-          </a:stretch>
-        </p:blipFill>
-        <p:spPr>
-          <a:xfrm>
-            <a:off x="4040070" y="2221669"/>
-            <a:ext cx="8146245" cy="2414661"/>
-          </a:xfrm>
-          <a:prstGeom prst="rect">
-            <a:avLst/>
-          </a:prstGeom>
-        </p:spPr>
-      </p:pic>
+            <a:pPr marL="0" indent="0">
+              <a:buNone/>
+            </a:pPr>
+            <a:r>
+              <a:rPr lang="en-US" dirty="0" smtClean="0"/>
+              <a:t>Showing all the required functionality when we do the demo</a:t>
+            </a:r>
+          </a:p>
+          <a:p>
+            <a:pPr marL="0" indent="0">
+              <a:buNone/>
+            </a:pPr>
+            <a:r>
+              <a:rPr lang="en-US" dirty="0" smtClean="0"/>
+              <a:t>Have one more meeting before the demo.</a:t>
+            </a:r>
+          </a:p>
+          <a:p>
+            <a:pPr marL="0" indent="0">
+              <a:buNone/>
+            </a:pPr>
+            <a:r>
+              <a:rPr lang="en-US" dirty="0" smtClean="0"/>
+              <a:t>Design </a:t>
+            </a:r>
+            <a:r>
+              <a:rPr lang="en-US" dirty="0"/>
+              <a:t>more test cases </a:t>
+            </a:r>
+            <a:r>
+              <a:rPr lang="en-US" dirty="0" smtClean="0"/>
+              <a:t>and test the </a:t>
+            </a:r>
+            <a:r>
+              <a:rPr lang="en-US" dirty="0"/>
+              <a:t>product </a:t>
+            </a:r>
+            <a:r>
+              <a:rPr lang="en-US" dirty="0" smtClean="0"/>
+              <a:t>thoroughly.</a:t>
+            </a:r>
+            <a:endParaRPr lang="zh-CN" altLang="en-US" dirty="0" smtClean="0"/>
+          </a:p>
+          <a:p>
+            <a:pPr marL="0" indent="0">
+              <a:buNone/>
+            </a:pPr>
+            <a:r>
+              <a:rPr lang="en-US" altLang="zh-CN" dirty="0" smtClean="0"/>
+              <a:t>Add </a:t>
+            </a:r>
+            <a:r>
+              <a:rPr lang="en-US" dirty="0" smtClean="0"/>
+              <a:t>tasks </a:t>
+            </a:r>
+            <a:r>
+              <a:rPr lang="en-US" dirty="0"/>
+              <a:t>associated with testing</a:t>
+            </a:r>
+            <a:r>
+              <a:rPr lang="en-US" dirty="0"/>
+              <a:t> </a:t>
+            </a:r>
+            <a:r>
+              <a:rPr lang="en-US" dirty="0" smtClean="0"/>
+              <a:t>in the sprint tasks</a:t>
+            </a:r>
+            <a:endParaRPr lang="zh-CN" altLang="en-US" dirty="0" smtClean="0"/>
+          </a:p>
+          <a:p>
+            <a:pPr marL="0" indent="0">
+              <a:buNone/>
+            </a:pPr>
+            <a:endParaRPr lang="en-US" dirty="0" smtClean="0"/>
+          </a:p>
+          <a:p>
+            <a:pPr marL="0" indent="0">
+              <a:buNone/>
+            </a:pPr>
+            <a:endParaRPr lang="en-US" dirty="0"/>
+          </a:p>
+          <a:p>
+            <a:pPr marL="0" indent="0">
+              <a:buNone/>
+            </a:pPr>
+            <a:endParaRPr lang="en-US" dirty="0"/>
+          </a:p>
+        </p:txBody>
+      </p:sp>
     </p:spTree>
     <p:extLst>
       <p:ext uri="{BB962C8B-B14F-4D97-AF65-F5344CB8AC3E}">
-        <p14:creationId xmlns:p14="http://schemas.microsoft.com/office/powerpoint/2010/main" val="56658991"/>
+        <p14:creationId xmlns:p14="http://schemas.microsoft.com/office/powerpoint/2010/main" val="126820480"/>
       </p:ext>
     </p:extLst>
   </p:cSld>
@@ -4610,261 +4881,95 @@
           <a:chExt cx="0" cy="0"/>
         </a:xfrm>
       </p:grpSpPr>
-      <p:sp useBgFill="1">
-        <p:nvSpPr>
-          <p:cNvPr id="16" name="Rectangle 15"/>
-          <p:cNvSpPr>
-            <a:spLocks noGrp="1" noRot="1" noChangeAspect="1" noMove="1" noResize="1" noEditPoints="1" noAdjustHandles="1" noChangeArrowheads="1" noChangeShapeType="1" noTextEdit="1"/>
-          </p:cNvSpPr>
-          <p:nvPr>
-            <p:extLst>
-              <p:ext uri="{386F3935-93C4-4BCD-93E2-E3B085C9AB24}">
-                <p16:designElem xmlns:p16="http://schemas.microsoft.com/office/powerpoint/2015/main" xmlns="" val="1"/>
-              </p:ext>
-            </p:extLst>
-          </p:nvPr>
-        </p:nvSpPr>
-        <p:spPr>
-          <a:xfrm>
-            <a:off x="0" y="0"/>
-            <a:ext cx="12186315" cy="6858000"/>
-          </a:xfrm>
-          <a:prstGeom prst="rect">
-            <a:avLst/>
-          </a:prstGeom>
-          <a:ln>
-            <a:noFill/>
-          </a:ln>
-        </p:spPr>
-        <p:style>
-          <a:lnRef idx="2">
-            <a:schemeClr val="accent6">
-              <a:shade val="50000"/>
-            </a:schemeClr>
-          </a:lnRef>
-          <a:fillRef idx="1001">
-            <a:schemeClr val="lt1"/>
-          </a:fillRef>
-          <a:effectRef idx="0">
-            <a:schemeClr val="accent6"/>
-          </a:effectRef>
-          <a:fontRef idx="minor">
-            <a:schemeClr val="lt1"/>
-          </a:fontRef>
-        </p:style>
-        <p:txBody>
-          <a:bodyPr rtlCol="0" anchor="ctr"/>
+      <p:sp>
+        <p:nvSpPr>
+          <p:cNvPr id="2" name="Title 1"/>
+          <p:cNvSpPr>
+            <a:spLocks noGrp="1"/>
+          </p:cNvSpPr>
+          <p:nvPr>
+            <p:ph type="title"/>
+          </p:nvPr>
+        </p:nvSpPr>
+        <p:spPr/>
+        <p:txBody>
+          <a:bodyPr/>
           <a:lstStyle/>
           <a:p>
-            <a:pPr algn="ctr"/>
-            <a:endParaRPr lang="en-US"/>
-          </a:p>
-        </p:txBody>
-      </p:sp>
-      <p:sp>
-        <p:nvSpPr>
-          <p:cNvPr id="18" name="Rectangle 17"/>
-          <p:cNvSpPr>
-            <a:spLocks noGrp="1" noRot="1" noChangeAspect="1" noMove="1" noResize="1" noEditPoints="1" noAdjustHandles="1" noChangeArrowheads="1" noChangeShapeType="1" noTextEdit="1"/>
-          </p:cNvSpPr>
-          <p:nvPr>
-            <p:extLst>
-              <p:ext uri="{386F3935-93C4-4BCD-93E2-E3B085C9AB24}">
-                <p16:designElem xmlns:p16="http://schemas.microsoft.com/office/powerpoint/2015/main" xmlns="" val="1"/>
-              </p:ext>
-            </p:extLst>
-          </p:nvPr>
-        </p:nvSpPr>
-        <p:spPr>
-          <a:xfrm>
-            <a:off x="16" y="0"/>
-            <a:ext cx="4050791" cy="6858000"/>
-          </a:xfrm>
-          <a:prstGeom prst="rect">
-            <a:avLst/>
-          </a:prstGeom>
-          <a:solidFill>
-            <a:schemeClr val="accent2"/>
-          </a:solidFill>
-          <a:ln>
-            <a:noFill/>
-          </a:ln>
-        </p:spPr>
-        <p:style>
-          <a:lnRef idx="2">
-            <a:schemeClr val="accent1">
-              <a:shade val="50000"/>
-            </a:schemeClr>
-          </a:lnRef>
-          <a:fillRef idx="1">
-            <a:schemeClr val="accent1"/>
-          </a:fillRef>
-          <a:effectRef idx="0">
-            <a:schemeClr val="accent1"/>
-          </a:effectRef>
-          <a:fontRef idx="minor">
-            <a:schemeClr val="lt1"/>
-          </a:fontRef>
-        </p:style>
-      </p:sp>
-      <p:sp>
-        <p:nvSpPr>
-          <p:cNvPr id="20" name="Rectangle 19"/>
-          <p:cNvSpPr>
-            <a:spLocks noGrp="1" noRot="1" noChangeAspect="1" noMove="1" noResize="1" noEditPoints="1" noAdjustHandles="1" noChangeArrowheads="1" noChangeShapeType="1" noTextEdit="1"/>
-          </p:cNvSpPr>
-          <p:nvPr>
-            <p:extLst>
-              <p:ext uri="{386F3935-93C4-4BCD-93E2-E3B085C9AB24}">
-                <p16:designElem xmlns:p16="http://schemas.microsoft.com/office/powerpoint/2015/main" xmlns="" val="1"/>
-              </p:ext>
-            </p:extLst>
-          </p:nvPr>
-        </p:nvSpPr>
-        <p:spPr>
-          <a:xfrm>
-            <a:off x="4040071" y="0"/>
-            <a:ext cx="64008" cy="6858000"/>
-          </a:xfrm>
-          <a:prstGeom prst="rect">
-            <a:avLst/>
-          </a:prstGeom>
-          <a:solidFill>
-            <a:schemeClr val="accent1"/>
-          </a:solidFill>
-          <a:ln>
-            <a:noFill/>
-          </a:ln>
-        </p:spPr>
-        <p:style>
-          <a:lnRef idx="2">
-            <a:schemeClr val="accent1">
-              <a:shade val="50000"/>
-            </a:schemeClr>
-          </a:lnRef>
-          <a:fillRef idx="1">
-            <a:schemeClr val="accent1"/>
-          </a:fillRef>
-          <a:effectRef idx="0">
-            <a:schemeClr val="accent1"/>
-          </a:effectRef>
-          <a:fontRef idx="minor">
-            <a:schemeClr val="lt1"/>
-          </a:fontRef>
-        </p:style>
-      </p:sp>
-      <p:sp>
-        <p:nvSpPr>
-          <p:cNvPr id="2" name="Title 1"/>
-          <p:cNvSpPr>
-            <a:spLocks noGrp="1"/>
-          </p:cNvSpPr>
-          <p:nvPr>
-            <p:ph type="title"/>
-          </p:nvPr>
-        </p:nvSpPr>
-        <p:spPr>
-          <a:xfrm>
-            <a:off x="492370" y="516835"/>
-            <a:ext cx="3084844" cy="2103875"/>
-          </a:xfrm>
-        </p:spPr>
-        <p:txBody>
-          <a:bodyPr>
-            <a:normAutofit/>
-          </a:bodyPr>
+            <a:r>
+              <a:rPr lang="en-US" dirty="0" smtClean="0"/>
+              <a:t>User Stories</a:t>
+            </a:r>
+            <a:endParaRPr lang="en-US" dirty="0"/>
+          </a:p>
+        </p:txBody>
+      </p:sp>
+      <p:sp>
+        <p:nvSpPr>
+          <p:cNvPr id="3" name="Content Placeholder 2"/>
+          <p:cNvSpPr>
+            <a:spLocks noGrp="1"/>
+          </p:cNvSpPr>
+          <p:nvPr>
+            <p:ph idx="1"/>
+          </p:nvPr>
+        </p:nvSpPr>
+        <p:spPr/>
+        <p:txBody>
+          <a:bodyPr/>
           <a:lstStyle/>
           <a:p>
-            <a:r>
-              <a:rPr lang="en-US" altLang="zh-CN" sz="3600" dirty="0">
-                <a:solidFill>
-                  <a:srgbClr val="FFFFFF"/>
-                </a:solidFill>
-              </a:rPr>
-              <a:t>Sprint Tasks</a:t>
-            </a:r>
-            <a:endParaRPr lang="en-US" sz="3600" dirty="0">
-              <a:solidFill>
-                <a:srgbClr val="FFFFFF"/>
-              </a:solidFill>
-            </a:endParaRPr>
-          </a:p>
-        </p:txBody>
-      </p:sp>
-      <p:sp>
-        <p:nvSpPr>
-          <p:cNvPr id="3" name="Content Placeholder 2"/>
-          <p:cNvSpPr>
-            <a:spLocks noGrp="1"/>
-          </p:cNvSpPr>
-          <p:nvPr>
-            <p:ph idx="1"/>
-          </p:nvPr>
-        </p:nvSpPr>
-        <p:spPr>
-          <a:xfrm>
-            <a:off x="492371" y="2653800"/>
-            <a:ext cx="3084844" cy="3335519"/>
-          </a:xfrm>
-        </p:spPr>
-        <p:txBody>
-          <a:bodyPr>
-            <a:normAutofit/>
-          </a:bodyPr>
-          <a:lstStyle/>
-          <a:p>
-            <a:r>
-              <a:rPr lang="en-US" sz="1600" dirty="0">
-                <a:solidFill>
-                  <a:srgbClr val="FFFFFF"/>
-                </a:solidFill>
-              </a:rPr>
-              <a:t>User Choose an algorithm  to </a:t>
-            </a:r>
-            <a:r>
-              <a:rPr lang="en-US" sz="1600" dirty="0" smtClean="0">
-                <a:solidFill>
-                  <a:srgbClr val="FFFFFF"/>
-                </a:solidFill>
-              </a:rPr>
-              <a:t>run</a:t>
-            </a:r>
-            <a:endParaRPr lang="en-US" sz="1600" dirty="0">
-              <a:solidFill>
-                <a:srgbClr val="FFFFFF"/>
-              </a:solidFill>
-            </a:endParaRPr>
-          </a:p>
-        </p:txBody>
-      </p:sp>
-      <p:pic>
-        <p:nvPicPr>
-          <p:cNvPr id="4" name="Picture 3"/>
-          <p:cNvPicPr>
-            <a:picLocks noChangeAspect="1"/>
-          </p:cNvPicPr>
-          <p:nvPr/>
-        </p:nvPicPr>
-        <p:blipFill>
-          <a:blip r:embed="rId2"/>
-          <a:stretch>
-            <a:fillRect/>
-          </a:stretch>
-        </p:blipFill>
-        <p:spPr>
-          <a:xfrm>
-            <a:off x="4315522" y="3037420"/>
-            <a:ext cx="7538224" cy="803787"/>
-          </a:xfrm>
-          <a:prstGeom prst="rect">
-            <a:avLst/>
-          </a:prstGeom>
-        </p:spPr>
-      </p:pic>
+            <a:pPr>
+              <a:buFont typeface="Courier New" charset="0"/>
+              <a:buChar char="o"/>
+            </a:pPr>
+            <a:r>
+              <a:rPr lang="en-US" dirty="0" smtClean="0"/>
+              <a:t> Execute </a:t>
+            </a:r>
+            <a:r>
+              <a:rPr lang="en-US" dirty="0"/>
+              <a:t>the algorithm step by step or for a fixed number of </a:t>
+            </a:r>
+            <a:r>
+              <a:rPr lang="en-US" dirty="0" smtClean="0"/>
+              <a:t>steps</a:t>
+            </a:r>
+          </a:p>
+          <a:p>
+            <a:pPr>
+              <a:buFont typeface="Courier New" charset="0"/>
+              <a:buChar char="o"/>
+            </a:pPr>
+            <a:r>
+              <a:rPr lang="en-US" dirty="0" smtClean="0"/>
+              <a:t> User </a:t>
+            </a:r>
+            <a:r>
+              <a:rPr lang="en-US" dirty="0"/>
+              <a:t>Choose an algorithm </a:t>
+            </a:r>
+            <a:r>
+              <a:rPr lang="en-US" dirty="0" smtClean="0"/>
+              <a:t> to run</a:t>
+            </a:r>
+          </a:p>
+          <a:p>
+            <a:pPr>
+              <a:buFont typeface="Courier New" charset="0"/>
+              <a:buChar char="o"/>
+            </a:pPr>
+            <a:r>
+              <a:rPr lang="en-US" dirty="0" smtClean="0"/>
+              <a:t> User view the target list in Graph view</a:t>
+            </a:r>
+          </a:p>
+        </p:txBody>
+      </p:sp>
     </p:spTree>
     <p:extLst>
       <p:ext uri="{BB962C8B-B14F-4D97-AF65-F5344CB8AC3E}">
-        <p14:creationId xmlns:p14="http://schemas.microsoft.com/office/powerpoint/2010/main" val="454667892"/>
+        <p14:creationId xmlns:p14="http://schemas.microsoft.com/office/powerpoint/2010/main" val="2027429866"/>
       </p:ext>
     </p:extLst>
   </p:cSld>
@@ -4900,7 +5005,7 @@
           <p:nvPr>
             <p:extLst>
               <p:ext uri="{386F3935-93C4-4BCD-93E2-E3B085C9AB24}">
-                <p16:designElem xmlns:p16="http://schemas.microsoft.com/office/powerpoint/2015/main" xmlns="" val="1"/>
+                <p16:designElem xmlns="" xmlns:p16="http://schemas.microsoft.com/office/powerpoint/2015/main" val="1"/>
               </p:ext>
             </p:extLst>
           </p:nvPr>
@@ -4951,7 +5056,7 @@
           <p:nvPr>
             <p:extLst>
               <p:ext uri="{386F3935-93C4-4BCD-93E2-E3B085C9AB24}">
-                <p16:designElem xmlns:p16="http://schemas.microsoft.com/office/powerpoint/2015/main" xmlns="" val="1"/>
+                <p16:designElem xmlns="" xmlns:p16="http://schemas.microsoft.com/office/powerpoint/2015/main" val="1"/>
               </p:ext>
             </p:extLst>
           </p:nvPr>
@@ -4997,7 +5102,7 @@
           <p:nvPr>
             <p:extLst>
               <p:ext uri="{386F3935-93C4-4BCD-93E2-E3B085C9AB24}">
-                <p16:designElem xmlns:p16="http://schemas.microsoft.com/office/powerpoint/2015/main" xmlns="" val="1"/>
+                <p16:designElem xmlns="" xmlns:p16="http://schemas.microsoft.com/office/powerpoint/2015/main" val="1"/>
               </p:ext>
             </p:extLst>
           </p:nvPr>
@@ -5057,14 +5162,14 @@
           <a:lstStyle/>
           <a:p>
             <a:r>
-              <a:rPr lang="en-US" altLang="zh-CN" sz="3600" dirty="0">
+              <a:rPr lang="en-US" altLang="zh-CN" sz="3600">
                 <a:solidFill>
                   <a:srgbClr val="FFFFFF"/>
                 </a:solidFill>
               </a:rPr>
               <a:t>Sprint Tasks</a:t>
             </a:r>
-            <a:endParaRPr lang="en-US" sz="3600" dirty="0">
+            <a:endParaRPr lang="en-US" sz="3600">
               <a:solidFill>
                 <a:srgbClr val="FFFFFF"/>
               </a:solidFill>
@@ -5094,62 +5199,27 @@
           </a:bodyPr>
           <a:lstStyle/>
           <a:p>
-            <a:pPr marL="0" lvl="0" indent="0">
-              <a:lnSpc>
-                <a:spcPct val="100000"/>
-              </a:lnSpc>
-              <a:spcBef>
-                <a:spcPts val="0"/>
-              </a:spcBef>
-              <a:spcAft>
-                <a:spcPts val="0"/>
-              </a:spcAft>
-              <a:buClrTx/>
-              <a:buSzTx/>
-              <a:buNone/>
-            </a:pPr>
-            <a:r>
-              <a:rPr lang="en-US" sz="1600" dirty="0" smtClean="0">
+            <a:r>
+              <a:rPr lang="en-US" sz="1600" dirty="0">
                 <a:solidFill>
-                  <a:schemeClr val="bg1"/>
+                  <a:srgbClr val="FFFFFF"/>
                 </a:solidFill>
               </a:rPr>
-              <a:t>User </a:t>
-            </a:r>
-            <a:r>
-              <a:rPr lang="en-US" sz="1600" dirty="0">
-                <a:solidFill>
-                  <a:schemeClr val="bg1"/>
-                </a:solidFill>
-              </a:rPr>
-              <a:t>view the target list in Graph view</a:t>
-            </a:r>
-          </a:p>
-          <a:p>
-            <a:pPr marL="0" marR="0" lvl="0" indent="0" defTabSz="914400" eaLnBrk="1" fontAlgn="auto" latinLnBrk="0" hangingPunct="1">
-              <a:lnSpc>
-                <a:spcPct val="100000"/>
-              </a:lnSpc>
-              <a:spcBef>
-                <a:spcPts val="0"/>
-              </a:spcBef>
-              <a:spcAft>
-                <a:spcPts val="0"/>
-              </a:spcAft>
-              <a:buClrTx/>
-              <a:buSzTx/>
-              <a:buFont typeface="Courier New" charset="0"/>
-              <a:buNone/>
-              <a:tabLst/>
-              <a:defRPr/>
-            </a:pPr>
-            <a:endParaRPr lang="en-US" sz="1600" dirty="0"/>
+              <a:t>Execute the algorithm step by step or for a fixed number of steps</a:t>
+            </a:r>
+          </a:p>
+          <a:p>
+            <a:endParaRPr lang="en-US" sz="1500" dirty="0">
+              <a:solidFill>
+                <a:srgbClr val="FFFFFF"/>
+              </a:solidFill>
+            </a:endParaRPr>
           </a:p>
         </p:txBody>
       </p:sp>
       <p:pic>
         <p:nvPicPr>
-          <p:cNvPr id="5" name="Picture 4"/>
+          <p:cNvPr id="4" name="Picture 3"/>
           <p:cNvPicPr>
             <a:picLocks noChangeAspect="1"/>
           </p:cNvPicPr>
@@ -5163,8 +5233,8 @@
         </p:blipFill>
         <p:spPr>
           <a:xfrm>
-            <a:off x="4350197" y="3068611"/>
-            <a:ext cx="7590000" cy="720777"/>
+            <a:off x="4040070" y="2221669"/>
+            <a:ext cx="8146245" cy="2414661"/>
           </a:xfrm>
           <a:prstGeom prst="rect">
             <a:avLst/>
@@ -5174,7 +5244,7 @@
     </p:spTree>
     <p:extLst>
       <p:ext uri="{BB962C8B-B14F-4D97-AF65-F5344CB8AC3E}">
-        <p14:creationId xmlns:p14="http://schemas.microsoft.com/office/powerpoint/2010/main" val="519604350"/>
+        <p14:creationId xmlns:p14="http://schemas.microsoft.com/office/powerpoint/2010/main" val="56658991"/>
       </p:ext>
     </p:extLst>
   </p:cSld>
@@ -5210,7 +5280,7 @@
           <p:nvPr>
             <p:extLst>
               <p:ext uri="{386F3935-93C4-4BCD-93E2-E3B085C9AB24}">
-                <p16:designElem xmlns:p16="http://schemas.microsoft.com/office/powerpoint/2015/main" xmlns="" val="1"/>
+                <p16:designElem xmlns="" xmlns:p16="http://schemas.microsoft.com/office/powerpoint/2015/main" val="1"/>
               </p:ext>
             </p:extLst>
           </p:nvPr>
@@ -5261,7 +5331,7 @@
           <p:nvPr>
             <p:extLst>
               <p:ext uri="{386F3935-93C4-4BCD-93E2-E3B085C9AB24}">
-                <p16:designElem xmlns:p16="http://schemas.microsoft.com/office/powerpoint/2015/main" xmlns="" val="1"/>
+                <p16:designElem xmlns="" xmlns:p16="http://schemas.microsoft.com/office/powerpoint/2015/main" val="1"/>
               </p:ext>
             </p:extLst>
           </p:nvPr>
@@ -5307,7 +5377,7 @@
           <p:nvPr>
             <p:extLst>
               <p:ext uri="{386F3935-93C4-4BCD-93E2-E3B085C9AB24}">
-                <p16:designElem xmlns:p16="http://schemas.microsoft.com/office/powerpoint/2015/main" xmlns="" val="1"/>
+                <p16:designElem xmlns="" xmlns:p16="http://schemas.microsoft.com/office/powerpoint/2015/main" val="1"/>
               </p:ext>
             </p:extLst>
           </p:nvPr>
@@ -5362,79 +5432,17 @@
         </p:spPr>
         <p:txBody>
           <a:bodyPr>
-            <a:normAutofit fontScale="90000"/>
+            <a:normAutofit/>
           </a:bodyPr>
           <a:lstStyle/>
           <a:p>
             <a:r>
-              <a:rPr lang="en-US" altLang="zh-CN" sz="3600" dirty="0" smtClean="0">
+              <a:rPr lang="en-US" altLang="zh-CN" sz="3600" dirty="0">
                 <a:solidFill>
                   <a:srgbClr val="FFFFFF"/>
                 </a:solidFill>
               </a:rPr>
-              <a:t>Test  cases for</a:t>
-            </a:r>
-            <a:br>
-              <a:rPr lang="en-US" altLang="zh-CN" sz="3600" dirty="0" smtClean="0">
-                <a:solidFill>
-                  <a:srgbClr val="FFFFFF"/>
-                </a:solidFill>
-              </a:rPr>
-            </a:br>
-            <a:r>
-              <a:rPr lang="en-US" altLang="zh-CN" sz="3600" dirty="0" smtClean="0">
-                <a:solidFill>
-                  <a:srgbClr val="FFFFFF"/>
-                </a:solidFill>
-              </a:rPr>
-              <a:t>sprint task 23-</a:t>
-            </a:r>
-            <a:r>
-              <a:rPr lang="zh-CN" altLang="en-US" sz="3600" dirty="0" smtClean="0">
-                <a:solidFill>
-                  <a:srgbClr val="FFFFFF"/>
-                </a:solidFill>
-              </a:rPr>
-              <a:t> </a:t>
-            </a:r>
-            <a:r>
-              <a:rPr lang="en-US" sz="2200" dirty="0">
-                <a:solidFill>
-                  <a:schemeClr val="bg1"/>
-                </a:solidFill>
-              </a:rPr>
-              <a:t>validate the input data before executing the algorithm</a:t>
-            </a:r>
-            <a:r>
-              <a:rPr lang="zh-CN" altLang="en-US" sz="2200" dirty="0">
-                <a:solidFill>
-                  <a:schemeClr val="bg1"/>
-                </a:solidFill>
-              </a:rPr>
-              <a:t> </a:t>
-            </a:r>
-            <a:r>
-              <a:rPr lang="zh-CN" altLang="en-US" sz="3600" dirty="0" smtClean="0">
-                <a:solidFill>
-                  <a:srgbClr val="FFFFFF"/>
-                </a:solidFill>
-              </a:rPr>
-              <a:t/>
-            </a:r>
-            <a:br>
-              <a:rPr lang="zh-CN" altLang="en-US" sz="3600" dirty="0" smtClean="0">
-                <a:solidFill>
-                  <a:srgbClr val="FFFFFF"/>
-                </a:solidFill>
-              </a:rPr>
-            </a:br>
-            <a:r>
-              <a:rPr lang="en-US" altLang="zh-CN" sz="3600" dirty="0" smtClean="0">
-                <a:solidFill>
-                  <a:srgbClr val="FFFFFF"/>
-                </a:solidFill>
-              </a:rPr>
-              <a:t> </a:t>
+              <a:t>Sprint Tasks</a:t>
             </a:r>
             <a:endParaRPr lang="en-US" sz="3600" dirty="0">
               <a:solidFill>
@@ -5444,9 +5452,55 @@
           </a:p>
         </p:txBody>
       </p:sp>
+      <p:sp>
+        <p:nvSpPr>
+          <p:cNvPr id="3" name="Content Placeholder 2"/>
+          <p:cNvSpPr>
+            <a:spLocks noGrp="1"/>
+          </p:cNvSpPr>
+          <p:nvPr>
+            <p:ph idx="1"/>
+          </p:nvPr>
+        </p:nvSpPr>
+        <p:spPr>
+          <a:xfrm>
+            <a:off x="492371" y="2653800"/>
+            <a:ext cx="3084844" cy="3335519"/>
+          </a:xfrm>
+        </p:spPr>
+        <p:txBody>
+          <a:bodyPr>
+            <a:normAutofit/>
+          </a:bodyPr>
+          <a:lstStyle/>
+          <a:p>
+            <a:r>
+              <a:rPr lang="en-US" sz="1600" dirty="0">
+                <a:solidFill>
+                  <a:srgbClr val="FFFFFF"/>
+                </a:solidFill>
+              </a:rPr>
+              <a:t>User Choose an algorithm  to </a:t>
+            </a:r>
+            <a:r>
+              <a:rPr lang="en-US" sz="1600" dirty="0" smtClean="0">
+                <a:solidFill>
+                  <a:srgbClr val="FFFFFF"/>
+                </a:solidFill>
+              </a:rPr>
+              <a:t>run</a:t>
+            </a:r>
+            <a:endParaRPr lang="en-US" sz="1600" dirty="0">
+              <a:solidFill>
+                <a:srgbClr val="FFFFFF"/>
+              </a:solidFill>
+            </a:endParaRPr>
+          </a:p>
+        </p:txBody>
+      </p:sp>
       <p:pic>
         <p:nvPicPr>
-          <p:cNvPr id="6" name="Picture 5"/>
+          <p:cNvPr id="4" name="Picture 3"/>
           <p:cNvPicPr>
             <a:picLocks noChangeAspect="1"/>
           </p:cNvPicPr>
@@ -5460,8 +5514,8 @@
         </p:blipFill>
         <p:spPr>
           <a:xfrm>
-            <a:off x="4040071" y="787400"/>
-            <a:ext cx="8146244" cy="5283200"/>
+            <a:off x="4315522" y="3037420"/>
+            <a:ext cx="7538224" cy="803787"/>
           </a:xfrm>
           <a:prstGeom prst="rect">
             <a:avLst/>
@@ -5471,7 +5525,7 @@
     </p:spTree>
     <p:extLst>
       <p:ext uri="{BB962C8B-B14F-4D97-AF65-F5344CB8AC3E}">
-        <p14:creationId xmlns:p14="http://schemas.microsoft.com/office/powerpoint/2010/main" val="1402219088"/>
+        <p14:creationId xmlns:p14="http://schemas.microsoft.com/office/powerpoint/2010/main" val="454667892"/>
       </p:ext>
     </p:extLst>
   </p:cSld>
@@ -5507,7 +5561,7 @@
           <p:nvPr>
             <p:extLst>
               <p:ext uri="{386F3935-93C4-4BCD-93E2-E3B085C9AB24}">
-                <p16:designElem xmlns:p16="http://schemas.microsoft.com/office/powerpoint/2015/main" xmlns="" val="1"/>
+                <p16:designElem xmlns="" xmlns:p16="http://schemas.microsoft.com/office/powerpoint/2015/main" val="1"/>
               </p:ext>
             </p:extLst>
           </p:nvPr>
@@ -5558,7 +5612,7 @@
           <p:nvPr>
             <p:extLst>
               <p:ext uri="{386F3935-93C4-4BCD-93E2-E3B085C9AB24}">
-                <p16:designElem xmlns:p16="http://schemas.microsoft.com/office/powerpoint/2015/main" xmlns="" val="1"/>
+                <p16:designElem xmlns="" xmlns:p16="http://schemas.microsoft.com/office/powerpoint/2015/main" val="1"/>
               </p:ext>
             </p:extLst>
           </p:nvPr>
@@ -5604,7 +5658,7 @@
           <p:nvPr>
             <p:extLst>
               <p:ext uri="{386F3935-93C4-4BCD-93E2-E3B085C9AB24}">
-                <p16:designElem xmlns:p16="http://schemas.microsoft.com/office/powerpoint/2015/main" xmlns="" val="1"/>
+                <p16:designElem xmlns="" xmlns:p16="http://schemas.microsoft.com/office/powerpoint/2015/main" val="1"/>
               </p:ext>
             </p:extLst>
           </p:nvPr>
@@ -5659,79 +5713,17 @@
         </p:spPr>
         <p:txBody>
           <a:bodyPr>
-            <a:normAutofit fontScale="90000"/>
+            <a:normAutofit/>
           </a:bodyPr>
           <a:lstStyle/>
           <a:p>
             <a:r>
-              <a:rPr lang="en-US" altLang="zh-CN" sz="3600" dirty="0" smtClean="0">
+              <a:rPr lang="en-US" altLang="zh-CN" sz="3600" dirty="0">
                 <a:solidFill>
                   <a:srgbClr val="FFFFFF"/>
                 </a:solidFill>
               </a:rPr>
-              <a:t>Test  cases for</a:t>
-            </a:r>
-            <a:br>
-              <a:rPr lang="en-US" altLang="zh-CN" sz="3600" dirty="0" smtClean="0">
-                <a:solidFill>
-                  <a:srgbClr val="FFFFFF"/>
-                </a:solidFill>
-              </a:rPr>
-            </a:br>
-            <a:r>
-              <a:rPr lang="en-US" altLang="zh-CN" sz="3600" dirty="0" smtClean="0">
-                <a:solidFill>
-                  <a:srgbClr val="FFFFFF"/>
-                </a:solidFill>
-              </a:rPr>
-              <a:t>sprint task 23-</a:t>
-            </a:r>
-            <a:r>
-              <a:rPr lang="zh-CN" altLang="en-US" sz="3600" dirty="0" smtClean="0">
-                <a:solidFill>
-                  <a:srgbClr val="FFFFFF"/>
-                </a:solidFill>
-              </a:rPr>
-              <a:t> </a:t>
-            </a:r>
-            <a:r>
-              <a:rPr lang="en-US" sz="2200" dirty="0">
-                <a:solidFill>
-                  <a:schemeClr val="bg1"/>
-                </a:solidFill>
-              </a:rPr>
-              <a:t>validate the input data before executing the algorithm</a:t>
-            </a:r>
-            <a:r>
-              <a:rPr lang="zh-CN" altLang="en-US" sz="2200" dirty="0">
-                <a:solidFill>
-                  <a:schemeClr val="bg1"/>
-                </a:solidFill>
-              </a:rPr>
-              <a:t> </a:t>
-            </a:r>
-            <a:r>
-              <a:rPr lang="zh-CN" altLang="en-US" sz="3600" dirty="0" smtClean="0">
-                <a:solidFill>
-                  <a:srgbClr val="FFFFFF"/>
-                </a:solidFill>
-              </a:rPr>
-              <a:t/>
-            </a:r>
-            <a:br>
-              <a:rPr lang="zh-CN" altLang="en-US" sz="3600" dirty="0" smtClean="0">
-                <a:solidFill>
-                  <a:srgbClr val="FFFFFF"/>
-                </a:solidFill>
-              </a:rPr>
-            </a:br>
-            <a:r>
-              <a:rPr lang="en-US" altLang="zh-CN" sz="3600" dirty="0" smtClean="0">
-                <a:solidFill>
-                  <a:srgbClr val="FFFFFF"/>
-                </a:solidFill>
-              </a:rPr>
-              <a:t> </a:t>
+              <a:t>Sprint Tasks</a:t>
             </a:r>
             <a:endParaRPr lang="en-US" sz="3600" dirty="0">
               <a:solidFill>
@@ -5741,9 +5733,84 @@
           </a:p>
         </p:txBody>
       </p:sp>
+      <p:sp>
+        <p:nvSpPr>
+          <p:cNvPr id="3" name="Content Placeholder 2"/>
+          <p:cNvSpPr>
+            <a:spLocks noGrp="1"/>
+          </p:cNvSpPr>
+          <p:nvPr>
+            <p:ph idx="1"/>
+          </p:nvPr>
+        </p:nvSpPr>
+        <p:spPr>
+          <a:xfrm>
+            <a:off x="492371" y="2653800"/>
+            <a:ext cx="3084844" cy="3335519"/>
+          </a:xfrm>
+        </p:spPr>
+        <p:txBody>
+          <a:bodyPr>
+            <a:normAutofit/>
+          </a:bodyPr>
+          <a:lstStyle/>
+          <a:p>
+            <a:pPr marL="0" lvl="0" indent="0">
+              <a:lnSpc>
+                <a:spcPct val="100000"/>
+              </a:lnSpc>
+              <a:spcBef>
+                <a:spcPts val="0"/>
+              </a:spcBef>
+              <a:spcAft>
+                <a:spcPts val="0"/>
+              </a:spcAft>
+              <a:buClrTx/>
+              <a:buSzTx/>
+              <a:buNone/>
+            </a:pPr>
+            <a:r>
+              <a:rPr lang="en-US" sz="1600" dirty="0" smtClean="0">
+                <a:solidFill>
+                  <a:schemeClr val="bg1"/>
+                </a:solidFill>
+              </a:rPr>
+              <a:t>User </a:t>
+            </a:r>
+            <a:r>
+              <a:rPr lang="en-US" sz="1600" dirty="0">
+                <a:solidFill>
+                  <a:schemeClr val="bg1"/>
+                </a:solidFill>
+              </a:rPr>
+              <a:t>view the target list in Graph view</a:t>
+            </a:r>
+          </a:p>
+          <a:p>
+            <a:pPr marL="0" marR="0" lvl="0" indent="0" defTabSz="914400" eaLnBrk="1" fontAlgn="auto" latinLnBrk="0" hangingPunct="1">
+              <a:lnSpc>
+                <a:spcPct val="100000"/>
+              </a:lnSpc>
+              <a:spcBef>
+                <a:spcPts val="0"/>
+              </a:spcBef>
+              <a:spcAft>
+                <a:spcPts val="0"/>
+              </a:spcAft>
+              <a:buClrTx/>
+              <a:buSzTx/>
+              <a:buFont typeface="Courier New" charset="0"/>
+              <a:buNone/>
+              <a:tabLst/>
+              <a:defRPr/>
+            </a:pPr>
+            <a:endParaRPr lang="en-US" sz="1600" dirty="0"/>
+          </a:p>
+        </p:txBody>
+      </p:sp>
       <p:pic>
         <p:nvPicPr>
-          <p:cNvPr id="3" name="Picture 2"/>
+          <p:cNvPr id="5" name="Picture 4"/>
           <p:cNvPicPr>
             <a:picLocks noChangeAspect="1"/>
           </p:cNvPicPr>
@@ -5757,8 +5824,8 @@
         </p:blipFill>
         <p:spPr>
           <a:xfrm>
-            <a:off x="4104079" y="990600"/>
-            <a:ext cx="8082236" cy="4876800"/>
+            <a:off x="4350197" y="3068611"/>
+            <a:ext cx="7590000" cy="720777"/>
           </a:xfrm>
           <a:prstGeom prst="rect">
             <a:avLst/>
@@ -5768,7 +5835,7 @@
     </p:spTree>
     <p:extLst>
       <p:ext uri="{BB962C8B-B14F-4D97-AF65-F5344CB8AC3E}">
-        <p14:creationId xmlns:p14="http://schemas.microsoft.com/office/powerpoint/2010/main" val="1400725862"/>
+        <p14:creationId xmlns:p14="http://schemas.microsoft.com/office/powerpoint/2010/main" val="519604350"/>
       </p:ext>
     </p:extLst>
   </p:cSld>
@@ -5804,7 +5871,7 @@
           <p:nvPr>
             <p:extLst>
               <p:ext uri="{386F3935-93C4-4BCD-93E2-E3B085C9AB24}">
-                <p16:designElem xmlns:p16="http://schemas.microsoft.com/office/powerpoint/2015/main" xmlns="" val="1"/>
+                <p16:designElem xmlns="" xmlns:p16="http://schemas.microsoft.com/office/powerpoint/2015/main" val="1"/>
               </p:ext>
             </p:extLst>
           </p:nvPr>
@@ -5855,7 +5922,7 @@
           <p:nvPr>
             <p:extLst>
               <p:ext uri="{386F3935-93C4-4BCD-93E2-E3B085C9AB24}">
-                <p16:designElem xmlns:p16="http://schemas.microsoft.com/office/powerpoint/2015/main" xmlns="" val="1"/>
+                <p16:designElem xmlns="" xmlns:p16="http://schemas.microsoft.com/office/powerpoint/2015/main" val="1"/>
               </p:ext>
             </p:extLst>
           </p:nvPr>
@@ -5901,7 +5968,7 @@
           <p:nvPr>
             <p:extLst>
               <p:ext uri="{386F3935-93C4-4BCD-93E2-E3B085C9AB24}">
-                <p16:designElem xmlns:p16="http://schemas.microsoft.com/office/powerpoint/2015/main" xmlns="" val="1"/>
+                <p16:designElem xmlns="" xmlns:p16="http://schemas.microsoft.com/office/powerpoint/2015/main" val="1"/>
               </p:ext>
             </p:extLst>
           </p:nvPr>
@@ -6040,7 +6107,7 @@
       </p:sp>
       <p:pic>
         <p:nvPicPr>
-          <p:cNvPr id="4" name="Picture 3"/>
+          <p:cNvPr id="6" name="Picture 5"/>
           <p:cNvPicPr>
             <a:picLocks noChangeAspect="1"/>
           </p:cNvPicPr>
@@ -6054,8 +6121,8 @@
         </p:blipFill>
         <p:spPr>
           <a:xfrm>
-            <a:off x="4069567" y="838200"/>
-            <a:ext cx="8116747" cy="5181600"/>
+            <a:off x="4040071" y="787400"/>
+            <a:ext cx="8146244" cy="5283200"/>
           </a:xfrm>
           <a:prstGeom prst="rect">
             <a:avLst/>
@@ -6065,7 +6132,304 @@
     </p:spTree>
     <p:extLst>
       <p:ext uri="{BB962C8B-B14F-4D97-AF65-F5344CB8AC3E}">
-        <p14:creationId xmlns:p14="http://schemas.microsoft.com/office/powerpoint/2010/main" val="151986414"/>
+        <p14:creationId xmlns:p14="http://schemas.microsoft.com/office/powerpoint/2010/main" val="1402219088"/>
+      </p:ext>
+    </p:extLst>
+  </p:cSld>
+  <p:clrMapOvr>
+    <a:masterClrMapping/>
+  </p:clrMapOvr>
+</p:sld>
+</file>
+
+<file path=ppt/slides/slide9.xml><?xml version="1.0" encoding="utf-8"?>
+<p:sld xmlns:a="http://schemas.openxmlformats.org/drawingml/2006/main" xmlns:r="http://schemas.openxmlformats.org/officeDocument/2006/relationships" xmlns:p="http://schemas.openxmlformats.org/presentationml/2006/main">
+  <p:cSld>
+    <p:spTree>
+      <p:nvGrpSpPr>
+        <p:cNvPr id="1" name=""/>
+        <p:cNvGrpSpPr/>
+        <p:nvPr/>
+      </p:nvGrpSpPr>
+      <p:grpSpPr>
+        <a:xfrm>
+          <a:off x="0" y="0"/>
+          <a:ext cx="0" cy="0"/>
+          <a:chOff x="0" y="0"/>
+          <a:chExt cx="0" cy="0"/>
+        </a:xfrm>
+      </p:grpSpPr>
+      <p:sp useBgFill="1">
+        <p:nvSpPr>
+          <p:cNvPr id="16" name="Rectangle 15"/>
+          <p:cNvSpPr>
+            <a:spLocks noGrp="1" noRot="1" noChangeAspect="1" noMove="1" noResize="1" noEditPoints="1" noAdjustHandles="1" noChangeArrowheads="1" noChangeShapeType="1" noTextEdit="1"/>
+          </p:cNvSpPr>
+          <p:nvPr>
+            <p:extLst>
+              <p:ext uri="{386F3935-93C4-4BCD-93E2-E3B085C9AB24}">
+                <p16:designElem xmlns="" xmlns:p16="http://schemas.microsoft.com/office/powerpoint/2015/main" val="1"/>
+              </p:ext>
+            </p:extLst>
+          </p:nvPr>
+        </p:nvSpPr>
+        <p:spPr>
+          <a:xfrm>
+            <a:off x="0" y="0"/>
+            <a:ext cx="12186315" cy="6858000"/>
+          </a:xfrm>
+          <a:prstGeom prst="rect">
+            <a:avLst/>
+          </a:prstGeom>
+          <a:ln>
+            <a:noFill/>
+          </a:ln>
+        </p:spPr>
+        <p:style>
+          <a:lnRef idx="2">
+            <a:schemeClr val="accent6">
+              <a:shade val="50000"/>
+            </a:schemeClr>
+          </a:lnRef>
+          <a:fillRef idx="1001">
+            <a:schemeClr val="lt1"/>
+          </a:fillRef>
+          <a:effectRef idx="0">
+            <a:schemeClr val="accent6"/>
+          </a:effectRef>
+          <a:fontRef idx="minor">
+            <a:schemeClr val="lt1"/>
+          </a:fontRef>
+        </p:style>
+        <p:txBody>
+          <a:bodyPr rtlCol="0" anchor="ctr"/>
+          <a:lstStyle/>
+          <a:p>
+            <a:pPr algn="ctr"/>
+            <a:endParaRPr lang="en-US"/>
+          </a:p>
+        </p:txBody>
+      </p:sp>
+      <p:sp>
+        <p:nvSpPr>
+          <p:cNvPr id="18" name="Rectangle 17"/>
+          <p:cNvSpPr>
+            <a:spLocks noGrp="1" noRot="1" noChangeAspect="1" noMove="1" noResize="1" noEditPoints="1" noAdjustHandles="1" noChangeArrowheads="1" noChangeShapeType="1" noTextEdit="1"/>
+          </p:cNvSpPr>
+          <p:nvPr>
+            <p:extLst>
+              <p:ext uri="{386F3935-93C4-4BCD-93E2-E3B085C9AB24}">
+                <p16:designElem xmlns="" xmlns:p16="http://schemas.microsoft.com/office/powerpoint/2015/main" val="1"/>
+              </p:ext>
+            </p:extLst>
+          </p:nvPr>
+        </p:nvSpPr>
+        <p:spPr>
+          <a:xfrm>
+            <a:off x="16" y="0"/>
+            <a:ext cx="4050791" cy="6858000"/>
+          </a:xfrm>
+          <a:prstGeom prst="rect">
+            <a:avLst/>
+          </a:prstGeom>
+          <a:solidFill>
+            <a:schemeClr val="accent2"/>
+          </a:solidFill>
+          <a:ln>
+            <a:noFill/>
+          </a:ln>
+        </p:spPr>
+        <p:style>
+          <a:lnRef idx="2">
+            <a:schemeClr val="accent1">
+              <a:shade val="50000"/>
+            </a:schemeClr>
+          </a:lnRef>
+          <a:fillRef idx="1">
+            <a:schemeClr val="accent1"/>
+          </a:fillRef>
+          <a:effectRef idx="0">
+            <a:schemeClr val="accent1"/>
+          </a:effectRef>
+          <a:fontRef idx="minor">
+            <a:schemeClr val="lt1"/>
+          </a:fontRef>
+        </p:style>
+      </p:sp>
+      <p:sp>
+        <p:nvSpPr>
+          <p:cNvPr id="20" name="Rectangle 19"/>
+          <p:cNvSpPr>
+            <a:spLocks noGrp="1" noRot="1" noChangeAspect="1" noMove="1" noResize="1" noEditPoints="1" noAdjustHandles="1" noChangeArrowheads="1" noChangeShapeType="1" noTextEdit="1"/>
+          </p:cNvSpPr>
+          <p:nvPr>
+            <p:extLst>
+              <p:ext uri="{386F3935-93C4-4BCD-93E2-E3B085C9AB24}">
+                <p16:designElem xmlns="" xmlns:p16="http://schemas.microsoft.com/office/powerpoint/2015/main" val="1"/>
+              </p:ext>
+            </p:extLst>
+          </p:nvPr>
+        </p:nvSpPr>
+        <p:spPr>
+          <a:xfrm>
+            <a:off x="4040071" y="0"/>
+            <a:ext cx="64008" cy="6858000"/>
+          </a:xfrm>
+          <a:prstGeom prst="rect">
+            <a:avLst/>
+          </a:prstGeom>
+          <a:solidFill>
+            <a:schemeClr val="accent1"/>
+          </a:solidFill>
+          <a:ln>
+            <a:noFill/>
+          </a:ln>
+        </p:spPr>
+        <p:style>
+          <a:lnRef idx="2">
+            <a:schemeClr val="accent1">
+              <a:shade val="50000"/>
+            </a:schemeClr>
+          </a:lnRef>
+          <a:fillRef idx="1">
+            <a:schemeClr val="accent1"/>
+          </a:fillRef>
+          <a:effectRef idx="0">
+            <a:schemeClr val="accent1"/>
+          </a:effectRef>
+          <a:fontRef idx="minor">
+            <a:schemeClr val="lt1"/>
+          </a:fontRef>
+        </p:style>
+      </p:sp>
+      <p:sp>
+        <p:nvSpPr>
+          <p:cNvPr id="2" name="Title 1"/>
+          <p:cNvSpPr>
+            <a:spLocks noGrp="1"/>
+          </p:cNvSpPr>
+          <p:nvPr>
+            <p:ph type="title"/>
+          </p:nvPr>
+        </p:nvSpPr>
+        <p:spPr>
+          <a:xfrm>
+            <a:off x="492370" y="516835"/>
+            <a:ext cx="3084844" cy="2103875"/>
+          </a:xfrm>
+        </p:spPr>
+        <p:txBody>
+          <a:bodyPr>
+            <a:normAutofit fontScale="90000"/>
+          </a:bodyPr>
+          <a:lstStyle/>
+          <a:p>
+            <a:r>
+              <a:rPr lang="en-US" altLang="zh-CN" sz="3600" dirty="0" smtClean="0">
+                <a:solidFill>
+                  <a:srgbClr val="FFFFFF"/>
+                </a:solidFill>
+              </a:rPr>
+              <a:t>Test  cases for</a:t>
+            </a:r>
+            <a:br>
+              <a:rPr lang="en-US" altLang="zh-CN" sz="3600" dirty="0" smtClean="0">
+                <a:solidFill>
+                  <a:srgbClr val="FFFFFF"/>
+                </a:solidFill>
+              </a:rPr>
+            </a:br>
+            <a:r>
+              <a:rPr lang="en-US" altLang="zh-CN" sz="3600" dirty="0" smtClean="0">
+                <a:solidFill>
+                  <a:srgbClr val="FFFFFF"/>
+                </a:solidFill>
+              </a:rPr>
+              <a:t>sprint task 23-</a:t>
+            </a:r>
+            <a:r>
+              <a:rPr lang="zh-CN" altLang="en-US" sz="3600" dirty="0" smtClean="0">
+                <a:solidFill>
+                  <a:srgbClr val="FFFFFF"/>
+                </a:solidFill>
+              </a:rPr>
+              <a:t> </a:t>
+            </a:r>
+            <a:r>
+              <a:rPr lang="en-US" sz="2200" dirty="0">
+                <a:solidFill>
+                  <a:schemeClr val="bg1"/>
+                </a:solidFill>
+              </a:rPr>
+              <a:t>validate the input data before executing the algorithm</a:t>
+            </a:r>
+            <a:r>
+              <a:rPr lang="zh-CN" altLang="en-US" sz="2200" dirty="0">
+                <a:solidFill>
+                  <a:schemeClr val="bg1"/>
+                </a:solidFill>
+              </a:rPr>
+              <a:t> </a:t>
+            </a:r>
+            <a:r>
+              <a:rPr lang="zh-CN" altLang="en-US" sz="3600" dirty="0" smtClean="0">
+                <a:solidFill>
+                  <a:srgbClr val="FFFFFF"/>
+                </a:solidFill>
+              </a:rPr>
+              <a:t/>
+            </a:r>
+            <a:br>
+              <a:rPr lang="zh-CN" altLang="en-US" sz="3600" dirty="0" smtClean="0">
+                <a:solidFill>
+                  <a:srgbClr val="FFFFFF"/>
+                </a:solidFill>
+              </a:rPr>
+            </a:br>
+            <a:r>
+              <a:rPr lang="en-US" altLang="zh-CN" sz="3600" dirty="0" smtClean="0">
+                <a:solidFill>
+                  <a:srgbClr val="FFFFFF"/>
+                </a:solidFill>
+              </a:rPr>
+              <a:t> </a:t>
+            </a:r>
+            <a:endParaRPr lang="en-US" sz="3600" dirty="0">
+              <a:solidFill>
+                <a:srgbClr val="FFFFFF"/>
+              </a:solidFill>
+            </a:endParaRPr>
+          </a:p>
+        </p:txBody>
+      </p:sp>
+      <p:pic>
+        <p:nvPicPr>
+          <p:cNvPr id="3" name="Picture 2"/>
+          <p:cNvPicPr>
+            <a:picLocks noChangeAspect="1"/>
+          </p:cNvPicPr>
+          <p:nvPr/>
+        </p:nvPicPr>
+        <p:blipFill>
+          <a:blip r:embed="rId2"/>
+          <a:stretch>
+            <a:fillRect/>
+          </a:stretch>
+        </p:blipFill>
+        <p:spPr>
+          <a:xfrm>
+            <a:off x="4104079" y="990600"/>
+            <a:ext cx="8082236" cy="4876800"/>
+          </a:xfrm>
+          <a:prstGeom prst="rect">
+            <a:avLst/>
+          </a:prstGeom>
+        </p:spPr>
+      </p:pic>
+    </p:spTree>
+    <p:extLst>
+      <p:ext uri="{BB962C8B-B14F-4D97-AF65-F5344CB8AC3E}">
+        <p14:creationId xmlns:p14="http://schemas.microsoft.com/office/powerpoint/2010/main" val="1400725862"/>
       </p:ext>
     </p:extLst>
   </p:cSld>

--- a/documents/set4/Presentation4.pptx
+++ b/documents/set4/Presentation4.pptx
@@ -4231,7 +4231,7 @@
           <p:nvPr>
             <p:extLst>
               <p:ext uri="{386F3935-93C4-4BCD-93E2-E3B085C9AB24}">
-                <p16:designElem xmlns="" xmlns:p16="http://schemas.microsoft.com/office/powerpoint/2015/main" val="1"/>
+                <p16:designElem xmlns:p16="http://schemas.microsoft.com/office/powerpoint/2015/main" val="1"/>
               </p:ext>
             </p:extLst>
           </p:nvPr>
@@ -4282,7 +4282,7 @@
           <p:nvPr>
             <p:extLst>
               <p:ext uri="{386F3935-93C4-4BCD-93E2-E3B085C9AB24}">
-                <p16:designElem xmlns="" xmlns:p16="http://schemas.microsoft.com/office/powerpoint/2015/main" val="1"/>
+                <p16:designElem xmlns:p16="http://schemas.microsoft.com/office/powerpoint/2015/main" val="1"/>
               </p:ext>
             </p:extLst>
           </p:nvPr>
@@ -4328,7 +4328,7 @@
           <p:nvPr>
             <p:extLst>
               <p:ext uri="{386F3935-93C4-4BCD-93E2-E3B085C9AB24}">
-                <p16:designElem xmlns="" xmlns:p16="http://schemas.microsoft.com/office/powerpoint/2015/main" val="1"/>
+                <p16:designElem xmlns:p16="http://schemas.microsoft.com/office/powerpoint/2015/main" val="1"/>
               </p:ext>
             </p:extLst>
           </p:nvPr>
@@ -4364,106 +4364,6 @@
             <a:schemeClr val="lt1"/>
           </a:fontRef>
         </p:style>
-      </p:sp>
-      <p:sp>
-        <p:nvSpPr>
-          <p:cNvPr id="2" name="Title 1"/>
-          <p:cNvSpPr>
-            <a:spLocks noGrp="1"/>
-          </p:cNvSpPr>
-          <p:nvPr>
-            <p:ph type="title"/>
-          </p:nvPr>
-        </p:nvSpPr>
-        <p:spPr>
-          <a:xfrm>
-            <a:off x="492370" y="516835"/>
-            <a:ext cx="3084844" cy="2103875"/>
-          </a:xfrm>
-        </p:spPr>
-        <p:txBody>
-          <a:bodyPr>
-            <a:normAutofit fontScale="90000"/>
-          </a:bodyPr>
-          <a:lstStyle/>
-          <a:p>
-            <a:r>
-              <a:rPr lang="en-US" altLang="zh-CN" sz="3600" dirty="0" smtClean="0">
-                <a:solidFill>
-                  <a:srgbClr val="FFFFFF"/>
-                </a:solidFill>
-              </a:rPr>
-              <a:t>Test  cases for</a:t>
-            </a:r>
-            <a:br>
-              <a:rPr lang="en-US" altLang="zh-CN" sz="3600" dirty="0" smtClean="0">
-                <a:solidFill>
-                  <a:srgbClr val="FFFFFF"/>
-                </a:solidFill>
-              </a:rPr>
-            </a:br>
-            <a:r>
-              <a:rPr lang="en-US" altLang="zh-CN" sz="3600" dirty="0" smtClean="0">
-                <a:solidFill>
-                  <a:srgbClr val="FFFFFF"/>
-                </a:solidFill>
-              </a:rPr>
-              <a:t>sprint task 23-</a:t>
-            </a:r>
-            <a:r>
-              <a:rPr lang="zh-CN" altLang="en-US" sz="3600" dirty="0" smtClean="0">
-                <a:solidFill>
-                  <a:srgbClr val="FFFFFF"/>
-                </a:solidFill>
-              </a:rPr>
-              <a:t> </a:t>
-            </a:r>
-            <a:r>
-              <a:rPr lang="en-US" sz="2200" dirty="0">
-                <a:solidFill>
-                  <a:schemeClr val="bg1"/>
-                </a:solidFill>
-              </a:rPr>
-              <a:t>validate the input data before executing the algorithm</a:t>
-            </a:r>
-            <a:r>
-              <a:rPr lang="zh-CN" altLang="en-US" sz="2200" dirty="0">
-                <a:solidFill>
-                  <a:schemeClr val="bg1"/>
-                </a:solidFill>
-              </a:rPr>
-              <a:t> </a:t>
-            </a:r>
-            <a:r>
-              <a:rPr lang="zh-CN" altLang="en-US" sz="3600" dirty="0" smtClean="0">
-                <a:solidFill>
-                  <a:srgbClr val="FFFFFF"/>
-                </a:solidFill>
-              </a:rPr>
-              <a:t/>
-            </a:r>
-            <a:br>
-              <a:rPr lang="zh-CN" altLang="en-US" sz="3600" dirty="0" smtClean="0">
-                <a:solidFill>
-                  <a:srgbClr val="FFFFFF"/>
-                </a:solidFill>
-              </a:rPr>
-            </a:br>
-            <a:r>
-              <a:rPr lang="en-US" altLang="zh-CN" sz="3600" dirty="0" smtClean="0">
-                <a:solidFill>
-                  <a:srgbClr val="FFFFFF"/>
-                </a:solidFill>
-              </a:rPr>
-              <a:t> </a:t>
-            </a:r>
-            <a:endParaRPr lang="en-US" sz="3600" dirty="0">
-              <a:solidFill>
-                <a:srgbClr val="FFFFFF"/>
-              </a:solidFill>
-            </a:endParaRPr>
-          </a:p>
-        </p:txBody>
       </p:sp>
       <p:pic>
         <p:nvPicPr>
@@ -4481,14 +4381,116 @@
         </p:blipFill>
         <p:spPr>
           <a:xfrm>
-            <a:off x="4069567" y="838200"/>
-            <a:ext cx="8116747" cy="5181600"/>
+            <a:off x="4226420" y="904864"/>
+            <a:ext cx="7907892" cy="5048271"/>
           </a:xfrm>
           <a:prstGeom prst="rect">
             <a:avLst/>
           </a:prstGeom>
         </p:spPr>
       </p:pic>
+      <p:sp>
+        <p:nvSpPr>
+          <p:cNvPr id="8" name="Title 1"/>
+          <p:cNvSpPr>
+            <a:spLocks noGrp="1"/>
+          </p:cNvSpPr>
+          <p:nvPr>
+            <p:ph type="title"/>
+          </p:nvPr>
+        </p:nvSpPr>
+        <p:spPr>
+          <a:xfrm>
+            <a:off x="482989" y="1818096"/>
+            <a:ext cx="3084844" cy="2103875"/>
+          </a:xfrm>
+        </p:spPr>
+        <p:txBody>
+          <a:bodyPr>
+            <a:normAutofit/>
+          </a:bodyPr>
+          <a:lstStyle/>
+          <a:p>
+            <a:r>
+              <a:rPr lang="en-US" altLang="zh-CN" sz="3600" dirty="0" smtClean="0">
+                <a:solidFill>
+                  <a:srgbClr val="FFFFFF"/>
+                </a:solidFill>
+              </a:rPr>
+              <a:t>Test  cases for</a:t>
+            </a:r>
+            <a:br>
+              <a:rPr lang="en-US" altLang="zh-CN" sz="3600" dirty="0" smtClean="0">
+                <a:solidFill>
+                  <a:srgbClr val="FFFFFF"/>
+                </a:solidFill>
+              </a:rPr>
+            </a:br>
+            <a:r>
+              <a:rPr lang="en-US" altLang="zh-CN" sz="3600" dirty="0" smtClean="0">
+                <a:solidFill>
+                  <a:srgbClr val="FFFFFF"/>
+                </a:solidFill>
+              </a:rPr>
+              <a:t>sprint task 23-</a:t>
+            </a:r>
+            <a:r>
+              <a:rPr lang="zh-CN" altLang="en-US" sz="3600" dirty="0" smtClean="0">
+                <a:solidFill>
+                  <a:srgbClr val="FFFFFF"/>
+                </a:solidFill>
+              </a:rPr>
+              <a:t> </a:t>
+            </a:r>
+            <a:r>
+              <a:rPr lang="en-US" sz="1600" dirty="0">
+                <a:solidFill>
+                  <a:schemeClr val="bg1"/>
+                </a:solidFill>
+                <a:latin typeface="+mn-lt"/>
+              </a:rPr>
+              <a:t>validate the input data before executing the algorithm</a:t>
+            </a:r>
+            <a:r>
+              <a:rPr lang="zh-CN" altLang="en-US" sz="1600" dirty="0">
+                <a:solidFill>
+                  <a:schemeClr val="bg1"/>
+                </a:solidFill>
+                <a:latin typeface="+mn-lt"/>
+              </a:rPr>
+              <a:t> </a:t>
+            </a:r>
+            <a:r>
+              <a:rPr lang="zh-CN" altLang="en-US" sz="3600" dirty="0" smtClean="0">
+                <a:solidFill>
+                  <a:srgbClr val="FFFFFF"/>
+                </a:solidFill>
+              </a:rPr>
+              <a:t/>
+            </a:r>
+            <a:br>
+              <a:rPr lang="zh-CN" altLang="en-US" sz="3600" dirty="0" smtClean="0">
+                <a:solidFill>
+                  <a:srgbClr val="FFFFFF"/>
+                </a:solidFill>
+              </a:rPr>
+            </a:br>
+            <a:r>
+              <a:rPr lang="en-US" altLang="zh-CN" sz="3600" dirty="0" smtClean="0">
+                <a:solidFill>
+                  <a:srgbClr val="FFFFFF"/>
+                </a:solidFill>
+              </a:rPr>
+              <a:t> </a:t>
+            </a:r>
+            <a:endParaRPr lang="en-US" sz="3600" dirty="0">
+              <a:solidFill>
+                <a:srgbClr val="FFFFFF"/>
+              </a:solidFill>
+            </a:endParaRPr>
+          </a:p>
+        </p:txBody>
+      </p:sp>
     </p:spTree>
     <p:extLst>
       <p:ext uri="{BB962C8B-B14F-4D97-AF65-F5344CB8AC3E}">
@@ -4819,11 +4821,7 @@
             </a:r>
             <a:r>
               <a:rPr lang="en-US" dirty="0"/>
-              <a:t>associated with testing</a:t>
-            </a:r>
-            <a:r>
-              <a:rPr lang="en-US" dirty="0"/>
-              <a:t> </a:t>
+              <a:t>associated with testing </a:t>
             </a:r>
             <a:r>
               <a:rPr lang="en-US" dirty="0" smtClean="0"/>
@@ -4925,7 +4923,22 @@
             </a:pPr>
             <a:r>
               <a:rPr lang="en-US" dirty="0" smtClean="0"/>
-              <a:t> Execute </a:t>
+              <a:t> </a:t>
+            </a:r>
+            <a:r>
+              <a:rPr lang="en-US" dirty="0" smtClean="0"/>
+              <a:t>Updated:</a:t>
+            </a:r>
+            <a:endParaRPr lang="en-US" dirty="0" smtClean="0"/>
+          </a:p>
+          <a:p>
+            <a:pPr lvl="1">
+              <a:buFont typeface="Courier New" charset="0"/>
+              <a:buChar char="o"/>
+            </a:pPr>
+            <a:r>
+              <a:rPr lang="en-US" dirty="0" smtClean="0"/>
+              <a:t>Execute </a:t>
             </a:r>
             <a:r>
               <a:rPr lang="en-US" dirty="0"/>
@@ -4935,6 +4948,7 @@
               <a:rPr lang="en-US" dirty="0" smtClean="0"/>
               <a:t>steps</a:t>
             </a:r>
+            <a:endParaRPr lang="en-US" dirty="0" smtClean="0"/>
           </a:p>
           <a:p>
             <a:pPr>
@@ -4943,25 +4957,48 @@
             </a:pPr>
             <a:r>
               <a:rPr lang="en-US" dirty="0" smtClean="0"/>
-              <a:t> User </a:t>
-            </a:r>
-            <a:r>
-              <a:rPr lang="en-US" dirty="0"/>
-              <a:t>Choose an algorithm </a:t>
+              <a:t> </a:t>
             </a:r>
             <a:r>
               <a:rPr lang="en-US" dirty="0" smtClean="0"/>
-              <a:t> to run</a:t>
-            </a:r>
-          </a:p>
-          <a:p>
-            <a:pPr>
+              <a:t>New</a:t>
+            </a:r>
+            <a:r>
+              <a:rPr lang="en-US" altLang="zh-CN" dirty="0" smtClean="0"/>
+              <a:t>ly added:</a:t>
+            </a:r>
+            <a:endParaRPr lang="en-US" dirty="0" smtClean="0"/>
+          </a:p>
+          <a:p>
+            <a:pPr lvl="1">
               <a:buFont typeface="Courier New" charset="0"/>
               <a:buChar char="o"/>
             </a:pPr>
             <a:r>
               <a:rPr lang="en-US" dirty="0" smtClean="0"/>
-              <a:t> User view the target list in Graph view</a:t>
+              <a:t>User </a:t>
+            </a:r>
+            <a:r>
+              <a:rPr lang="en-US" dirty="0"/>
+              <a:t>Choose an algorithm </a:t>
+            </a:r>
+            <a:r>
+              <a:rPr lang="en-US" dirty="0" smtClean="0"/>
+              <a:t> to run</a:t>
+            </a:r>
+          </a:p>
+          <a:p>
+            <a:pPr lvl="1">
+              <a:buFont typeface="Courier New" charset="0"/>
+              <a:buChar char="o"/>
+            </a:pPr>
+            <a:r>
+              <a:rPr lang="en-US" dirty="0" smtClean="0"/>
+              <a:t>User </a:t>
+            </a:r>
+            <a:r>
+              <a:rPr lang="en-US" dirty="0" smtClean="0"/>
+              <a:t>view the target list in Graph view</a:t>
             </a:r>
           </a:p>
         </p:txBody>
@@ -5005,7 +5042,7 @@
           <p:nvPr>
             <p:extLst>
               <p:ext uri="{386F3935-93C4-4BCD-93E2-E3B085C9AB24}">
-                <p16:designElem xmlns="" xmlns:p16="http://schemas.microsoft.com/office/powerpoint/2015/main" val="1"/>
+                <p16:designElem xmlns:p16="http://schemas.microsoft.com/office/powerpoint/2015/main" val="1"/>
               </p:ext>
             </p:extLst>
           </p:nvPr>
@@ -5056,7 +5093,7 @@
           <p:nvPr>
             <p:extLst>
               <p:ext uri="{386F3935-93C4-4BCD-93E2-E3B085C9AB24}">
-                <p16:designElem xmlns="" xmlns:p16="http://schemas.microsoft.com/office/powerpoint/2015/main" val="1"/>
+                <p16:designElem xmlns:p16="http://schemas.microsoft.com/office/powerpoint/2015/main" val="1"/>
               </p:ext>
             </p:extLst>
           </p:nvPr>
@@ -5102,7 +5139,7 @@
           <p:nvPr>
             <p:extLst>
               <p:ext uri="{386F3935-93C4-4BCD-93E2-E3B085C9AB24}">
-                <p16:designElem xmlns="" xmlns:p16="http://schemas.microsoft.com/office/powerpoint/2015/main" val="1"/>
+                <p16:designElem xmlns:p16="http://schemas.microsoft.com/office/powerpoint/2015/main" val="1"/>
               </p:ext>
             </p:extLst>
           </p:nvPr>
@@ -5219,7 +5256,7 @@
       </p:sp>
       <p:pic>
         <p:nvPicPr>
-          <p:cNvPr id="4" name="Picture 3"/>
+          <p:cNvPr id="6" name="Picture 5"/>
           <p:cNvPicPr>
             <a:picLocks noChangeAspect="1"/>
           </p:cNvPicPr>
@@ -5233,8 +5270,8 @@
         </p:blipFill>
         <p:spPr>
           <a:xfrm>
-            <a:off x="4040070" y="2221669"/>
-            <a:ext cx="8146245" cy="2414661"/>
+            <a:off x="4322166" y="1777022"/>
+            <a:ext cx="7643935" cy="3303073"/>
           </a:xfrm>
           <a:prstGeom prst="rect">
             <a:avLst/>
@@ -5280,7 +5317,7 @@
           <p:nvPr>
             <p:extLst>
               <p:ext uri="{386F3935-93C4-4BCD-93E2-E3B085C9AB24}">
-                <p16:designElem xmlns="" xmlns:p16="http://schemas.microsoft.com/office/powerpoint/2015/main" val="1"/>
+                <p16:designElem xmlns:p16="http://schemas.microsoft.com/office/powerpoint/2015/main" val="1"/>
               </p:ext>
             </p:extLst>
           </p:nvPr>
@@ -5331,7 +5368,7 @@
           <p:nvPr>
             <p:extLst>
               <p:ext uri="{386F3935-93C4-4BCD-93E2-E3B085C9AB24}">
-                <p16:designElem xmlns="" xmlns:p16="http://schemas.microsoft.com/office/powerpoint/2015/main" val="1"/>
+                <p16:designElem xmlns:p16="http://schemas.microsoft.com/office/powerpoint/2015/main" val="1"/>
               </p:ext>
             </p:extLst>
           </p:nvPr>
@@ -5377,7 +5414,7 @@
           <p:nvPr>
             <p:extLst>
               <p:ext uri="{386F3935-93C4-4BCD-93E2-E3B085C9AB24}">
-                <p16:designElem xmlns="" xmlns:p16="http://schemas.microsoft.com/office/powerpoint/2015/main" val="1"/>
+                <p16:designElem xmlns:p16="http://schemas.microsoft.com/office/powerpoint/2015/main" val="1"/>
               </p:ext>
             </p:extLst>
           </p:nvPr>
@@ -5500,7 +5537,7 @@
       </p:sp>
       <p:pic>
         <p:nvPicPr>
-          <p:cNvPr id="4" name="Picture 3"/>
+          <p:cNvPr id="5" name="Picture 4"/>
           <p:cNvPicPr>
             <a:picLocks noChangeAspect="1"/>
           </p:cNvPicPr>
@@ -5514,8 +5551,8 @@
         </p:blipFill>
         <p:spPr>
           <a:xfrm>
-            <a:off x="4315522" y="3037420"/>
-            <a:ext cx="7538224" cy="803787"/>
+            <a:off x="4164027" y="3015255"/>
+            <a:ext cx="7960213" cy="827489"/>
           </a:xfrm>
           <a:prstGeom prst="rect">
             <a:avLst/>
@@ -5561,7 +5598,7 @@
           <p:nvPr>
             <p:extLst>
               <p:ext uri="{386F3935-93C4-4BCD-93E2-E3B085C9AB24}">
-                <p16:designElem xmlns="" xmlns:p16="http://schemas.microsoft.com/office/powerpoint/2015/main" val="1"/>
+                <p16:designElem xmlns:p16="http://schemas.microsoft.com/office/powerpoint/2015/main" val="1"/>
               </p:ext>
             </p:extLst>
           </p:nvPr>
@@ -5612,7 +5649,7 @@
           <p:nvPr>
             <p:extLst>
               <p:ext uri="{386F3935-93C4-4BCD-93E2-E3B085C9AB24}">
-                <p16:designElem xmlns="" xmlns:p16="http://schemas.microsoft.com/office/powerpoint/2015/main" val="1"/>
+                <p16:designElem xmlns:p16="http://schemas.microsoft.com/office/powerpoint/2015/main" val="1"/>
               </p:ext>
             </p:extLst>
           </p:nvPr>
@@ -5658,7 +5695,7 @@
           <p:nvPr>
             <p:extLst>
               <p:ext uri="{386F3935-93C4-4BCD-93E2-E3B085C9AB24}">
-                <p16:designElem xmlns="" xmlns:p16="http://schemas.microsoft.com/office/powerpoint/2015/main" val="1"/>
+                <p16:designElem xmlns:p16="http://schemas.microsoft.com/office/powerpoint/2015/main" val="1"/>
               </p:ext>
             </p:extLst>
           </p:nvPr>
@@ -5810,7 +5847,7 @@
       </p:sp>
       <p:pic>
         <p:nvPicPr>
-          <p:cNvPr id="5" name="Picture 4"/>
+          <p:cNvPr id="6" name="Picture 5"/>
           <p:cNvPicPr>
             <a:picLocks noChangeAspect="1"/>
           </p:cNvPicPr>
@@ -5824,8 +5861,8 @@
         </p:blipFill>
         <p:spPr>
           <a:xfrm>
-            <a:off x="4350197" y="3068611"/>
-            <a:ext cx="7590000" cy="720777"/>
+            <a:off x="4263832" y="2620710"/>
+            <a:ext cx="7760603" cy="1558898"/>
           </a:xfrm>
           <a:prstGeom prst="rect">
             <a:avLst/>
@@ -5871,7 +5908,7 @@
           <p:nvPr>
             <p:extLst>
               <p:ext uri="{386F3935-93C4-4BCD-93E2-E3B085C9AB24}">
-                <p16:designElem xmlns="" xmlns:p16="http://schemas.microsoft.com/office/powerpoint/2015/main" val="1"/>
+                <p16:designElem xmlns:p16="http://schemas.microsoft.com/office/powerpoint/2015/main" val="1"/>
               </p:ext>
             </p:extLst>
           </p:nvPr>
@@ -5922,7 +5959,7 @@
           <p:nvPr>
             <p:extLst>
               <p:ext uri="{386F3935-93C4-4BCD-93E2-E3B085C9AB24}">
-                <p16:designElem xmlns="" xmlns:p16="http://schemas.microsoft.com/office/powerpoint/2015/main" val="1"/>
+                <p16:designElem xmlns:p16="http://schemas.microsoft.com/office/powerpoint/2015/main" val="1"/>
               </p:ext>
             </p:extLst>
           </p:nvPr>
@@ -5968,7 +6005,7 @@
           <p:nvPr>
             <p:extLst>
               <p:ext uri="{386F3935-93C4-4BCD-93E2-E3B085C9AB24}">
-                <p16:designElem xmlns="" xmlns:p16="http://schemas.microsoft.com/office/powerpoint/2015/main" val="1"/>
+                <p16:designElem xmlns:p16="http://schemas.microsoft.com/office/powerpoint/2015/main" val="1"/>
               </p:ext>
             </p:extLst>
           </p:nvPr>
@@ -6017,13 +6054,13 @@
         </p:nvSpPr>
         <p:spPr>
           <a:xfrm>
-            <a:off x="492370" y="516835"/>
+            <a:off x="482989" y="1818096"/>
             <a:ext cx="3084844" cy="2103875"/>
           </a:xfrm>
         </p:spPr>
         <p:txBody>
           <a:bodyPr>
-            <a:normAutofit fontScale="90000"/>
+            <a:normAutofit/>
           </a:bodyPr>
           <a:lstStyle/>
           <a:p>
@@ -6048,7 +6085,15 @@
                   <a:srgbClr val="FFFFFF"/>
                 </a:solidFill>
               </a:rPr>
-              <a:t>sprint task 23-</a:t>
+              <a:t>sprint task </a:t>
+            </a:r>
+            <a:r>
+              <a:rPr lang="en-US" altLang="zh-CN" sz="3600" dirty="0" smtClean="0">
+                <a:solidFill>
+                  <a:srgbClr val="FFFFFF"/>
+                </a:solidFill>
+              </a:rPr>
+              <a:t>23-</a:t>
             </a:r>
             <a:r>
               <a:rPr lang="zh-CN" altLang="en-US" sz="3600" dirty="0" smtClean="0">
@@ -6059,18 +6104,29 @@
               <a:t> </a:t>
             </a:r>
             <a:r>
-              <a:rPr lang="en-US" sz="2200" dirty="0">
+              <a:rPr lang="en-US" sz="1600" dirty="0" smtClean="0">
                 <a:solidFill>
                   <a:schemeClr val="bg1"/>
                 </a:solidFill>
+                <a:latin typeface="+mn-lt"/>
               </a:rPr>
-              <a:t>validate the input data before executing the algorithm</a:t>
-            </a:r>
-            <a:r>
-              <a:rPr lang="zh-CN" altLang="en-US" sz="2200" dirty="0">
+              <a:t>validate </a:t>
+            </a:r>
+            <a:r>
+              <a:rPr lang="en-US" sz="1600" dirty="0">
                 <a:solidFill>
                   <a:schemeClr val="bg1"/>
                 </a:solidFill>
+                <a:latin typeface="+mn-lt"/>
+              </a:rPr>
+              <a:t>the input data before executing the algorithm</a:t>
+            </a:r>
+            <a:r>
+              <a:rPr lang="zh-CN" altLang="en-US" sz="1600" dirty="0">
+                <a:solidFill>
+                  <a:schemeClr val="bg1"/>
+                </a:solidFill>
+                <a:latin typeface="+mn-lt"/>
               </a:rPr>
               <a:t> </a:t>
             </a:r>
@@ -6121,8 +6177,8 @@
         </p:blipFill>
         <p:spPr>
           <a:xfrm>
-            <a:off x="4040071" y="787400"/>
-            <a:ext cx="8146244" cy="5283200"/>
+            <a:off x="4238745" y="890954"/>
+            <a:ext cx="7753843" cy="5028711"/>
           </a:xfrm>
           <a:prstGeom prst="rect">
             <a:avLst/>
@@ -6168,7 +6224,7 @@
           <p:nvPr>
             <p:extLst>
               <p:ext uri="{386F3935-93C4-4BCD-93E2-E3B085C9AB24}">
-                <p16:designElem xmlns="" xmlns:p16="http://schemas.microsoft.com/office/powerpoint/2015/main" val="1"/>
+                <p16:designElem xmlns:p16="http://schemas.microsoft.com/office/powerpoint/2015/main" val="1"/>
               </p:ext>
             </p:extLst>
           </p:nvPr>
@@ -6219,7 +6275,7 @@
           <p:nvPr>
             <p:extLst>
               <p:ext uri="{386F3935-93C4-4BCD-93E2-E3B085C9AB24}">
-                <p16:designElem xmlns="" xmlns:p16="http://schemas.microsoft.com/office/powerpoint/2015/main" val="1"/>
+                <p16:designElem xmlns:p16="http://schemas.microsoft.com/office/powerpoint/2015/main" val="1"/>
               </p:ext>
             </p:extLst>
           </p:nvPr>
@@ -6265,7 +6321,7 @@
           <p:nvPr>
             <p:extLst>
               <p:ext uri="{386F3935-93C4-4BCD-93E2-E3B085C9AB24}">
-                <p16:designElem xmlns="" xmlns:p16="http://schemas.microsoft.com/office/powerpoint/2015/main" val="1"/>
+                <p16:designElem xmlns:p16="http://schemas.microsoft.com/office/powerpoint/2015/main" val="1"/>
               </p:ext>
             </p:extLst>
           </p:nvPr>
@@ -6301,106 +6357,6 @@
             <a:schemeClr val="lt1"/>
           </a:fontRef>
         </p:style>
-      </p:sp>
-      <p:sp>
-        <p:nvSpPr>
-          <p:cNvPr id="2" name="Title 1"/>
-          <p:cNvSpPr>
-            <a:spLocks noGrp="1"/>
-          </p:cNvSpPr>
-          <p:nvPr>
-            <p:ph type="title"/>
-          </p:nvPr>
-        </p:nvSpPr>
-        <p:spPr>
-          <a:xfrm>
-            <a:off x="492370" y="516835"/>
-            <a:ext cx="3084844" cy="2103875"/>
-          </a:xfrm>
-        </p:spPr>
-        <p:txBody>
-          <a:bodyPr>
-            <a:normAutofit fontScale="90000"/>
-          </a:bodyPr>
-          <a:lstStyle/>
-          <a:p>
-            <a:r>
-              <a:rPr lang="en-US" altLang="zh-CN" sz="3600" dirty="0" smtClean="0">
-                <a:solidFill>
-                  <a:srgbClr val="FFFFFF"/>
-                </a:solidFill>
-              </a:rPr>
-              <a:t>Test  cases for</a:t>
-            </a:r>
-            <a:br>
-              <a:rPr lang="en-US" altLang="zh-CN" sz="3600" dirty="0" smtClean="0">
-                <a:solidFill>
-                  <a:srgbClr val="FFFFFF"/>
-                </a:solidFill>
-              </a:rPr>
-            </a:br>
-            <a:r>
-              <a:rPr lang="en-US" altLang="zh-CN" sz="3600" dirty="0" smtClean="0">
-                <a:solidFill>
-                  <a:srgbClr val="FFFFFF"/>
-                </a:solidFill>
-              </a:rPr>
-              <a:t>sprint task 23-</a:t>
-            </a:r>
-            <a:r>
-              <a:rPr lang="zh-CN" altLang="en-US" sz="3600" dirty="0" smtClean="0">
-                <a:solidFill>
-                  <a:srgbClr val="FFFFFF"/>
-                </a:solidFill>
-              </a:rPr>
-              <a:t> </a:t>
-            </a:r>
-            <a:r>
-              <a:rPr lang="en-US" sz="2200" dirty="0">
-                <a:solidFill>
-                  <a:schemeClr val="bg1"/>
-                </a:solidFill>
-              </a:rPr>
-              <a:t>validate the input data before executing the algorithm</a:t>
-            </a:r>
-            <a:r>
-              <a:rPr lang="zh-CN" altLang="en-US" sz="2200" dirty="0">
-                <a:solidFill>
-                  <a:schemeClr val="bg1"/>
-                </a:solidFill>
-              </a:rPr>
-              <a:t> </a:t>
-            </a:r>
-            <a:r>
-              <a:rPr lang="zh-CN" altLang="en-US" sz="3600" dirty="0" smtClean="0">
-                <a:solidFill>
-                  <a:srgbClr val="FFFFFF"/>
-                </a:solidFill>
-              </a:rPr>
-              <a:t/>
-            </a:r>
-            <a:br>
-              <a:rPr lang="zh-CN" altLang="en-US" sz="3600" dirty="0" smtClean="0">
-                <a:solidFill>
-                  <a:srgbClr val="FFFFFF"/>
-                </a:solidFill>
-              </a:rPr>
-            </a:br>
-            <a:r>
-              <a:rPr lang="en-US" altLang="zh-CN" sz="3600" dirty="0" smtClean="0">
-                <a:solidFill>
-                  <a:srgbClr val="FFFFFF"/>
-                </a:solidFill>
-              </a:rPr>
-              <a:t> </a:t>
-            </a:r>
-            <a:endParaRPr lang="en-US" sz="3600" dirty="0">
-              <a:solidFill>
-                <a:srgbClr val="FFFFFF"/>
-              </a:solidFill>
-            </a:endParaRPr>
-          </a:p>
-        </p:txBody>
       </p:sp>
       <p:pic>
         <p:nvPicPr>
@@ -6418,14 +6374,116 @@
         </p:blipFill>
         <p:spPr>
           <a:xfrm>
-            <a:off x="4104079" y="990600"/>
-            <a:ext cx="8082236" cy="4876800"/>
+            <a:off x="4205015" y="1052146"/>
+            <a:ext cx="7878238" cy="4753708"/>
           </a:xfrm>
           <a:prstGeom prst="rect">
             <a:avLst/>
           </a:prstGeom>
         </p:spPr>
       </p:pic>
+      <p:sp>
+        <p:nvSpPr>
+          <p:cNvPr id="9" name="Title 1"/>
+          <p:cNvSpPr>
+            <a:spLocks noGrp="1"/>
+          </p:cNvSpPr>
+          <p:nvPr>
+            <p:ph type="title"/>
+          </p:nvPr>
+        </p:nvSpPr>
+        <p:spPr>
+          <a:xfrm>
+            <a:off x="482989" y="1818096"/>
+            <a:ext cx="3084844" cy="2103875"/>
+          </a:xfrm>
+        </p:spPr>
+        <p:txBody>
+          <a:bodyPr>
+            <a:normAutofit/>
+          </a:bodyPr>
+          <a:lstStyle/>
+          <a:p>
+            <a:r>
+              <a:rPr lang="en-US" altLang="zh-CN" sz="3600" dirty="0" smtClean="0">
+                <a:solidFill>
+                  <a:srgbClr val="FFFFFF"/>
+                </a:solidFill>
+              </a:rPr>
+              <a:t>Test  cases for</a:t>
+            </a:r>
+            <a:br>
+              <a:rPr lang="en-US" altLang="zh-CN" sz="3600" dirty="0" smtClean="0">
+                <a:solidFill>
+                  <a:srgbClr val="FFFFFF"/>
+                </a:solidFill>
+              </a:rPr>
+            </a:br>
+            <a:r>
+              <a:rPr lang="en-US" altLang="zh-CN" sz="3600" dirty="0" smtClean="0">
+                <a:solidFill>
+                  <a:srgbClr val="FFFFFF"/>
+                </a:solidFill>
+              </a:rPr>
+              <a:t>sprint task 23-</a:t>
+            </a:r>
+            <a:r>
+              <a:rPr lang="zh-CN" altLang="en-US" sz="3600" dirty="0" smtClean="0">
+                <a:solidFill>
+                  <a:srgbClr val="FFFFFF"/>
+                </a:solidFill>
+              </a:rPr>
+              <a:t> </a:t>
+            </a:r>
+            <a:r>
+              <a:rPr lang="en-US" sz="1600" dirty="0">
+                <a:solidFill>
+                  <a:schemeClr val="bg1"/>
+                </a:solidFill>
+                <a:latin typeface="+mn-lt"/>
+              </a:rPr>
+              <a:t>validate the input data before executing the algorithm</a:t>
+            </a:r>
+            <a:r>
+              <a:rPr lang="zh-CN" altLang="en-US" sz="1600" dirty="0">
+                <a:solidFill>
+                  <a:schemeClr val="bg1"/>
+                </a:solidFill>
+                <a:latin typeface="+mn-lt"/>
+              </a:rPr>
+              <a:t> </a:t>
+            </a:r>
+            <a:r>
+              <a:rPr lang="zh-CN" altLang="en-US" sz="3600" dirty="0" smtClean="0">
+                <a:solidFill>
+                  <a:srgbClr val="FFFFFF"/>
+                </a:solidFill>
+              </a:rPr>
+              <a:t/>
+            </a:r>
+            <a:br>
+              <a:rPr lang="zh-CN" altLang="en-US" sz="3600" dirty="0" smtClean="0">
+                <a:solidFill>
+                  <a:srgbClr val="FFFFFF"/>
+                </a:solidFill>
+              </a:rPr>
+            </a:br>
+            <a:r>
+              <a:rPr lang="en-US" altLang="zh-CN" sz="3600" dirty="0" smtClean="0">
+                <a:solidFill>
+                  <a:srgbClr val="FFFFFF"/>
+                </a:solidFill>
+              </a:rPr>
+              <a:t> </a:t>
+            </a:r>
+            <a:endParaRPr lang="en-US" sz="3600" dirty="0">
+              <a:solidFill>
+                <a:srgbClr val="FFFFFF"/>
+              </a:solidFill>
+            </a:endParaRPr>
+          </a:p>
+        </p:txBody>
+      </p:sp>
     </p:spTree>
     <p:extLst>
       <p:ext uri="{BB962C8B-B14F-4D97-AF65-F5344CB8AC3E}">
